--- a/docs/защита.pptx
+++ b/docs/защита.pptx
@@ -6,10 +6,10 @@
     <p:sldMasterId id="2147483698" r:id="rId2"/>
   </p:sldMasterIdLst>
   <p:notesMasterIdLst>
-    <p:notesMasterId r:id="rId15"/>
+    <p:notesMasterId r:id="rId16"/>
   </p:notesMasterIdLst>
   <p:handoutMasterIdLst>
-    <p:handoutMasterId r:id="rId16"/>
+    <p:handoutMasterId r:id="rId17"/>
   </p:handoutMasterIdLst>
   <p:sldIdLst>
     <p:sldId id="265" r:id="rId3"/>
@@ -21,9 +21,10 @@
     <p:sldId id="281" r:id="rId9"/>
     <p:sldId id="283" r:id="rId10"/>
     <p:sldId id="276" r:id="rId11"/>
-    <p:sldId id="279" r:id="rId12"/>
-    <p:sldId id="280" r:id="rId13"/>
-    <p:sldId id="263" r:id="rId14"/>
+    <p:sldId id="284" r:id="rId12"/>
+    <p:sldId id="285" r:id="rId13"/>
+    <p:sldId id="280" r:id="rId14"/>
+    <p:sldId id="263" r:id="rId15"/>
   </p:sldIdLst>
   <p:sldSz cx="9144000" cy="5143500" type="screen16x9"/>
   <p:notesSz cx="6858000" cy="9144000"/>
@@ -141,6 +142,970 @@
 </p:presentation>
 </file>
 
+<file path=ppt/charts/chart1.xml><?xml version="1.0" encoding="utf-8"?>
+<c:chartSpace xmlns:c="http://schemas.openxmlformats.org/drawingml/2006/chart" xmlns:a="http://schemas.openxmlformats.org/drawingml/2006/main" xmlns:r="http://schemas.openxmlformats.org/officeDocument/2006/relationships" xmlns:c16r2="http://schemas.microsoft.com/office/drawing/2015/06/chart">
+  <c:date1904 val="0"/>
+  <c:lang val="ru-RU"/>
+  <c:roundedCorners val="0"/>
+  <mc:AlternateContent xmlns:mc="http://schemas.openxmlformats.org/markup-compatibility/2006">
+    <mc:Choice xmlns:c14="http://schemas.microsoft.com/office/drawing/2007/8/2/chart" Requires="c14">
+      <c14:style val="102"/>
+    </mc:Choice>
+    <mc:Fallback>
+      <c:style val="2"/>
+    </mc:Fallback>
+  </mc:AlternateContent>
+  <c:chart>
+    <c:title>
+      <c:tx>
+        <c:rich>
+          <a:bodyPr rot="0" spcFirstLastPara="1" vertOverflow="ellipsis" vert="horz" wrap="square" anchor="ctr" anchorCtr="1"/>
+          <a:lstStyle/>
+          <a:p>
+            <a:pPr>
+              <a:defRPr sz="1862" b="0" i="0" u="none" strike="noStrike" kern="1200" spc="0" baseline="0">
+                <a:solidFill>
+                  <a:schemeClr val="tx1">
+                    <a:lumMod val="65000"/>
+                    <a:lumOff val="35000"/>
+                  </a:schemeClr>
+                </a:solidFill>
+                <a:latin typeface="+mn-lt"/>
+                <a:ea typeface="+mn-ea"/>
+                <a:cs typeface="+mn-cs"/>
+              </a:defRPr>
+            </a:pPr>
+            <a:r>
+              <a:rPr lang="ru-RU" sz="1600" dirty="0"/>
+              <a:t>меньше – лучше;</a:t>
+            </a:r>
+            <a:r>
+              <a:rPr lang="en-US" sz="1600" dirty="0"/>
+              <a:t> </a:t>
+            </a:r>
+            <a:r>
+              <a:rPr lang="en-US" sz="1600" dirty="0" err="1"/>
+              <a:t>в</a:t>
+            </a:r>
+            <a:r>
+              <a:rPr lang="ru-RU" sz="1600" dirty="0" err="1"/>
+              <a:t>ремя</a:t>
+            </a:r>
+            <a:r>
+              <a:rPr lang="ru-RU" sz="1600" dirty="0"/>
+              <a:t> в</a:t>
+            </a:r>
+            <a:r>
+              <a:rPr lang="ru-RU" sz="1600" baseline="0" dirty="0"/>
+              <a:t> наносекундах</a:t>
+            </a:r>
+            <a:endParaRPr lang="ru-RU" sz="1600" dirty="0"/>
+          </a:p>
+        </c:rich>
+      </c:tx>
+      <c:overlay val="0"/>
+      <c:spPr>
+        <a:noFill/>
+        <a:ln>
+          <a:noFill/>
+        </a:ln>
+        <a:effectLst/>
+      </c:spPr>
+      <c:txPr>
+        <a:bodyPr rot="0" spcFirstLastPara="1" vertOverflow="ellipsis" vert="horz" wrap="square" anchor="ctr" anchorCtr="1"/>
+        <a:lstStyle/>
+        <a:p>
+          <a:pPr>
+            <a:defRPr sz="1862" b="0" i="0" u="none" strike="noStrike" kern="1200" spc="0" baseline="0">
+              <a:solidFill>
+                <a:schemeClr val="tx1">
+                  <a:lumMod val="65000"/>
+                  <a:lumOff val="35000"/>
+                </a:schemeClr>
+              </a:solidFill>
+              <a:latin typeface="+mn-lt"/>
+              <a:ea typeface="+mn-ea"/>
+              <a:cs typeface="+mn-cs"/>
+            </a:defRPr>
+          </a:pPr>
+          <a:endParaRPr lang="ru-RU"/>
+        </a:p>
+      </c:txPr>
+    </c:title>
+    <c:autoTitleDeleted val="0"/>
+    <c:plotArea>
+      <c:layout/>
+      <c:barChart>
+        <c:barDir val="bar"/>
+        <c:grouping val="clustered"/>
+        <c:varyColors val="0"/>
+        <c:ser>
+          <c:idx val="0"/>
+          <c:order val="0"/>
+          <c:tx>
+            <c:strRef>
+              <c:f>Лист1!$B$1</c:f>
+              <c:strCache>
+                <c:ptCount val="1"/>
+                <c:pt idx="0">
+                  <c:v>оптимизированный запрос</c:v>
+                </c:pt>
+              </c:strCache>
+            </c:strRef>
+          </c:tx>
+          <c:spPr>
+            <a:solidFill>
+              <a:schemeClr val="accent1"/>
+            </a:solidFill>
+            <a:ln>
+              <a:noFill/>
+            </a:ln>
+            <a:effectLst/>
+          </c:spPr>
+          <c:invertIfNegative val="0"/>
+          <c:cat>
+            <c:strRef>
+              <c:f>Лист1!$A$2:$A$4</c:f>
+              <c:strCache>
+                <c:ptCount val="3"/>
+                <c:pt idx="0">
+                  <c:v>SQL запрос 1</c:v>
+                </c:pt>
+                <c:pt idx="1">
+                  <c:v>SQL запрос 2</c:v>
+                </c:pt>
+                <c:pt idx="2">
+                  <c:v>SQL запрос 3</c:v>
+                </c:pt>
+              </c:strCache>
+            </c:strRef>
+          </c:cat>
+          <c:val>
+            <c:numRef>
+              <c:f>Лист1!$B$2:$B$4</c:f>
+              <c:numCache>
+                <c:formatCode>General</c:formatCode>
+                <c:ptCount val="3"/>
+                <c:pt idx="0">
+                  <c:v>1301375</c:v>
+                </c:pt>
+                <c:pt idx="1">
+                  <c:v>3704416</c:v>
+                </c:pt>
+                <c:pt idx="2">
+                  <c:v>4956042</c:v>
+                </c:pt>
+              </c:numCache>
+            </c:numRef>
+          </c:val>
+          <c:extLst>
+            <c:ext xmlns:c16="http://schemas.microsoft.com/office/drawing/2014/chart" uri="{C3380CC4-5D6E-409C-BE32-E72D297353CC}">
+              <c16:uniqueId val="{00000000-E7E5-DF41-9907-A009B32DC8C5}"/>
+            </c:ext>
+          </c:extLst>
+        </c:ser>
+        <c:ser>
+          <c:idx val="1"/>
+          <c:order val="1"/>
+          <c:tx>
+            <c:strRef>
+              <c:f>Лист1!$C$1</c:f>
+              <c:strCache>
+                <c:ptCount val="1"/>
+                <c:pt idx="0">
+                  <c:v>оригинальный запрос</c:v>
+                </c:pt>
+              </c:strCache>
+            </c:strRef>
+          </c:tx>
+          <c:spPr>
+            <a:solidFill>
+              <a:schemeClr val="accent2"/>
+            </a:solidFill>
+            <a:ln>
+              <a:noFill/>
+            </a:ln>
+            <a:effectLst/>
+          </c:spPr>
+          <c:invertIfNegative val="0"/>
+          <c:cat>
+            <c:strRef>
+              <c:f>Лист1!$A$2:$A$4</c:f>
+              <c:strCache>
+                <c:ptCount val="3"/>
+                <c:pt idx="0">
+                  <c:v>SQL запрос 1</c:v>
+                </c:pt>
+                <c:pt idx="1">
+                  <c:v>SQL запрос 2</c:v>
+                </c:pt>
+                <c:pt idx="2">
+                  <c:v>SQL запрос 3</c:v>
+                </c:pt>
+              </c:strCache>
+            </c:strRef>
+          </c:cat>
+          <c:val>
+            <c:numRef>
+              <c:f>Лист1!$C$2:$C$4</c:f>
+              <c:numCache>
+                <c:formatCode>General</c:formatCode>
+                <c:ptCount val="3"/>
+                <c:pt idx="0">
+                  <c:v>1439775</c:v>
+                </c:pt>
+                <c:pt idx="1">
+                  <c:v>3735892</c:v>
+                </c:pt>
+                <c:pt idx="2">
+                  <c:v>5249608</c:v>
+                </c:pt>
+              </c:numCache>
+            </c:numRef>
+          </c:val>
+          <c:extLst>
+            <c:ext xmlns:c16="http://schemas.microsoft.com/office/drawing/2014/chart" uri="{C3380CC4-5D6E-409C-BE32-E72D297353CC}">
+              <c16:uniqueId val="{00000001-E7E5-DF41-9907-A009B32DC8C5}"/>
+            </c:ext>
+          </c:extLst>
+        </c:ser>
+        <c:dLbls>
+          <c:showLegendKey val="0"/>
+          <c:showVal val="0"/>
+          <c:showCatName val="0"/>
+          <c:showSerName val="0"/>
+          <c:showPercent val="0"/>
+          <c:showBubbleSize val="0"/>
+        </c:dLbls>
+        <c:gapWidth val="182"/>
+        <c:axId val="1335232400"/>
+        <c:axId val="1335234080"/>
+      </c:barChart>
+      <c:catAx>
+        <c:axId val="1335232400"/>
+        <c:scaling>
+          <c:orientation val="minMax"/>
+        </c:scaling>
+        <c:delete val="0"/>
+        <c:axPos val="l"/>
+        <c:numFmt formatCode="General" sourceLinked="1"/>
+        <c:majorTickMark val="none"/>
+        <c:minorTickMark val="none"/>
+        <c:tickLblPos val="nextTo"/>
+        <c:spPr>
+          <a:noFill/>
+          <a:ln w="9525" cap="flat" cmpd="sng" algn="ctr">
+            <a:solidFill>
+              <a:schemeClr val="tx1">
+                <a:lumMod val="15000"/>
+                <a:lumOff val="85000"/>
+              </a:schemeClr>
+            </a:solidFill>
+            <a:round/>
+          </a:ln>
+          <a:effectLst/>
+        </c:spPr>
+        <c:txPr>
+          <a:bodyPr rot="-60000000" spcFirstLastPara="1" vertOverflow="ellipsis" vert="horz" wrap="square" anchor="ctr" anchorCtr="1"/>
+          <a:lstStyle/>
+          <a:p>
+            <a:pPr>
+              <a:defRPr sz="1197" b="0" i="0" u="none" strike="noStrike" kern="1200" baseline="0">
+                <a:solidFill>
+                  <a:schemeClr val="tx1">
+                    <a:lumMod val="65000"/>
+                    <a:lumOff val="35000"/>
+                  </a:schemeClr>
+                </a:solidFill>
+                <a:latin typeface="+mn-lt"/>
+                <a:ea typeface="+mn-ea"/>
+                <a:cs typeface="+mn-cs"/>
+              </a:defRPr>
+            </a:pPr>
+            <a:endParaRPr lang="ru-RU"/>
+          </a:p>
+        </c:txPr>
+        <c:crossAx val="1335234080"/>
+        <c:crosses val="autoZero"/>
+        <c:auto val="1"/>
+        <c:lblAlgn val="ctr"/>
+        <c:lblOffset val="100"/>
+        <c:noMultiLvlLbl val="0"/>
+      </c:catAx>
+      <c:valAx>
+        <c:axId val="1335234080"/>
+        <c:scaling>
+          <c:orientation val="minMax"/>
+        </c:scaling>
+        <c:delete val="0"/>
+        <c:axPos val="b"/>
+        <c:majorGridlines>
+          <c:spPr>
+            <a:ln w="9525" cap="flat" cmpd="sng" algn="ctr">
+              <a:solidFill>
+                <a:schemeClr val="tx1">
+                  <a:lumMod val="15000"/>
+                  <a:lumOff val="85000"/>
+                </a:schemeClr>
+              </a:solidFill>
+              <a:round/>
+            </a:ln>
+            <a:effectLst/>
+          </c:spPr>
+        </c:majorGridlines>
+        <c:numFmt formatCode="General" sourceLinked="1"/>
+        <c:majorTickMark val="none"/>
+        <c:minorTickMark val="none"/>
+        <c:tickLblPos val="nextTo"/>
+        <c:spPr>
+          <a:noFill/>
+          <a:ln>
+            <a:noFill/>
+          </a:ln>
+          <a:effectLst/>
+        </c:spPr>
+        <c:txPr>
+          <a:bodyPr rot="-60000000" spcFirstLastPara="1" vertOverflow="ellipsis" vert="horz" wrap="square" anchor="ctr" anchorCtr="1"/>
+          <a:lstStyle/>
+          <a:p>
+            <a:pPr>
+              <a:defRPr sz="1197" b="0" i="0" u="none" strike="noStrike" kern="1200" baseline="0">
+                <a:solidFill>
+                  <a:schemeClr val="tx1">
+                    <a:lumMod val="65000"/>
+                    <a:lumOff val="35000"/>
+                  </a:schemeClr>
+                </a:solidFill>
+                <a:latin typeface="+mn-lt"/>
+                <a:ea typeface="+mn-ea"/>
+                <a:cs typeface="+mn-cs"/>
+              </a:defRPr>
+            </a:pPr>
+            <a:endParaRPr lang="ru-RU"/>
+          </a:p>
+        </c:txPr>
+        <c:crossAx val="1335232400"/>
+        <c:crosses val="autoZero"/>
+        <c:crossBetween val="between"/>
+      </c:valAx>
+      <c:spPr>
+        <a:noFill/>
+        <a:ln>
+          <a:noFill/>
+        </a:ln>
+        <a:effectLst/>
+      </c:spPr>
+    </c:plotArea>
+    <c:legend>
+      <c:legendPos val="b"/>
+      <c:overlay val="0"/>
+      <c:spPr>
+        <a:noFill/>
+        <a:ln>
+          <a:noFill/>
+        </a:ln>
+        <a:effectLst/>
+      </c:spPr>
+      <c:txPr>
+        <a:bodyPr rot="0" spcFirstLastPara="1" vertOverflow="ellipsis" vert="horz" wrap="square" anchor="ctr" anchorCtr="1"/>
+        <a:lstStyle/>
+        <a:p>
+          <a:pPr>
+            <a:defRPr sz="1197" b="0" i="0" u="none" strike="noStrike" kern="1200" baseline="0">
+              <a:solidFill>
+                <a:schemeClr val="tx1">
+                  <a:lumMod val="65000"/>
+                  <a:lumOff val="35000"/>
+                </a:schemeClr>
+              </a:solidFill>
+              <a:latin typeface="+mn-lt"/>
+              <a:ea typeface="+mn-ea"/>
+              <a:cs typeface="+mn-cs"/>
+            </a:defRPr>
+          </a:pPr>
+          <a:endParaRPr lang="ru-RU"/>
+        </a:p>
+      </c:txPr>
+    </c:legend>
+    <c:plotVisOnly val="1"/>
+    <c:dispBlanksAs val="gap"/>
+    <c:extLst>
+      <c:ext xmlns:c16r3="http://schemas.microsoft.com/office/drawing/2017/03/chart" uri="{56B9EC1D-385E-4148-901F-78D8002777C0}">
+        <c16r3:dataDisplayOptions16>
+          <c16r3:dispNaAsBlank val="1"/>
+        </c16r3:dataDisplayOptions16>
+      </c:ext>
+    </c:extLst>
+    <c:showDLblsOverMax val="0"/>
+  </c:chart>
+  <c:spPr>
+    <a:noFill/>
+    <a:ln>
+      <a:noFill/>
+    </a:ln>
+    <a:effectLst/>
+  </c:spPr>
+  <c:txPr>
+    <a:bodyPr/>
+    <a:lstStyle/>
+    <a:p>
+      <a:pPr>
+        <a:defRPr/>
+      </a:pPr>
+      <a:endParaRPr lang="ru-RU"/>
+    </a:p>
+  </c:txPr>
+  <c:externalData r:id="rId3">
+    <c:autoUpdate val="0"/>
+  </c:externalData>
+</c:chartSpace>
+</file>
+
+<file path=ppt/charts/colors1.xml><?xml version="1.0" encoding="utf-8"?>
+<cs:colorStyle xmlns:cs="http://schemas.microsoft.com/office/drawing/2012/chartStyle" xmlns:a="http://schemas.openxmlformats.org/drawingml/2006/main" meth="cycle" id="10">
+  <a:schemeClr val="accent1"/>
+  <a:schemeClr val="accent2"/>
+  <a:schemeClr val="accent3"/>
+  <a:schemeClr val="accent4"/>
+  <a:schemeClr val="accent5"/>
+  <a:schemeClr val="accent6"/>
+  <cs:variation/>
+  <cs:variation>
+    <a:lumMod val="60000"/>
+  </cs:variation>
+  <cs:variation>
+    <a:lumMod val="80000"/>
+    <a:lumOff val="20000"/>
+  </cs:variation>
+  <cs:variation>
+    <a:lumMod val="80000"/>
+  </cs:variation>
+  <cs:variation>
+    <a:lumMod val="60000"/>
+    <a:lumOff val="40000"/>
+  </cs:variation>
+  <cs:variation>
+    <a:lumMod val="50000"/>
+  </cs:variation>
+  <cs:variation>
+    <a:lumMod val="70000"/>
+    <a:lumOff val="30000"/>
+  </cs:variation>
+  <cs:variation>
+    <a:lumMod val="70000"/>
+  </cs:variation>
+  <cs:variation>
+    <a:lumMod val="50000"/>
+    <a:lumOff val="50000"/>
+  </cs:variation>
+</cs:colorStyle>
+</file>
+
+<file path=ppt/charts/style1.xml><?xml version="1.0" encoding="utf-8"?>
+<cs:chartStyle xmlns:cs="http://schemas.microsoft.com/office/drawing/2012/chartStyle" xmlns:a="http://schemas.openxmlformats.org/drawingml/2006/main" id="216">
+  <cs:axisTitle>
+    <cs:lnRef idx="0"/>
+    <cs:fillRef idx="0"/>
+    <cs:effectRef idx="0"/>
+    <cs:fontRef idx="minor">
+      <a:schemeClr val="tx1">
+        <a:lumMod val="65000"/>
+        <a:lumOff val="35000"/>
+      </a:schemeClr>
+    </cs:fontRef>
+    <cs:defRPr sz="1330" kern="1200"/>
+  </cs:axisTitle>
+  <cs:categoryAxis>
+    <cs:lnRef idx="0"/>
+    <cs:fillRef idx="0"/>
+    <cs:effectRef idx="0"/>
+    <cs:fontRef idx="minor">
+      <a:schemeClr val="tx1">
+        <a:lumMod val="65000"/>
+        <a:lumOff val="35000"/>
+      </a:schemeClr>
+    </cs:fontRef>
+    <cs:spPr>
+      <a:ln w="9525" cap="flat" cmpd="sng" algn="ctr">
+        <a:solidFill>
+          <a:schemeClr val="tx1">
+            <a:lumMod val="15000"/>
+            <a:lumOff val="85000"/>
+          </a:schemeClr>
+        </a:solidFill>
+        <a:round/>
+      </a:ln>
+    </cs:spPr>
+    <cs:defRPr sz="1197" kern="1200"/>
+  </cs:categoryAxis>
+  <cs:chartArea mods="allowNoFillOverride allowNoLineOverride">
+    <cs:lnRef idx="0"/>
+    <cs:fillRef idx="0"/>
+    <cs:effectRef idx="0"/>
+    <cs:fontRef idx="minor">
+      <a:schemeClr val="tx1"/>
+    </cs:fontRef>
+    <cs:spPr>
+      <a:solidFill>
+        <a:schemeClr val="bg1"/>
+      </a:solidFill>
+      <a:ln w="9525" cap="flat" cmpd="sng" algn="ctr">
+        <a:solidFill>
+          <a:schemeClr val="tx1">
+            <a:lumMod val="15000"/>
+            <a:lumOff val="85000"/>
+          </a:schemeClr>
+        </a:solidFill>
+        <a:round/>
+      </a:ln>
+    </cs:spPr>
+    <cs:defRPr sz="1330" kern="1200"/>
+  </cs:chartArea>
+  <cs:dataLabel>
+    <cs:lnRef idx="0"/>
+    <cs:fillRef idx="0"/>
+    <cs:effectRef idx="0"/>
+    <cs:fontRef idx="minor">
+      <a:schemeClr val="tx1">
+        <a:lumMod val="75000"/>
+        <a:lumOff val="25000"/>
+      </a:schemeClr>
+    </cs:fontRef>
+    <cs:defRPr sz="1197" kern="1200"/>
+  </cs:dataLabel>
+  <cs:dataLabelCallout>
+    <cs:lnRef idx="0"/>
+    <cs:fillRef idx="0"/>
+    <cs:effectRef idx="0"/>
+    <cs:fontRef idx="minor">
+      <a:schemeClr val="dk1">
+        <a:lumMod val="65000"/>
+        <a:lumOff val="35000"/>
+      </a:schemeClr>
+    </cs:fontRef>
+    <cs:spPr>
+      <a:solidFill>
+        <a:schemeClr val="lt1"/>
+      </a:solidFill>
+      <a:ln>
+        <a:solidFill>
+          <a:schemeClr val="dk1">
+            <a:lumMod val="25000"/>
+            <a:lumOff val="75000"/>
+          </a:schemeClr>
+        </a:solidFill>
+      </a:ln>
+    </cs:spPr>
+    <cs:defRPr sz="1197" kern="1200"/>
+    <cs:bodyPr rot="0" spcFirstLastPara="1" vertOverflow="clip" horzOverflow="clip" vert="horz" wrap="square" lIns="36576" tIns="18288" rIns="36576" bIns="18288" anchor="ctr" anchorCtr="1">
+      <a:spAutoFit/>
+    </cs:bodyPr>
+  </cs:dataLabelCallout>
+  <cs:dataPoint>
+    <cs:lnRef idx="0"/>
+    <cs:fillRef idx="1">
+      <cs:styleClr val="auto"/>
+    </cs:fillRef>
+    <cs:effectRef idx="0"/>
+    <cs:fontRef idx="minor">
+      <a:schemeClr val="tx1"/>
+    </cs:fontRef>
+  </cs:dataPoint>
+  <cs:dataPoint3D>
+    <cs:lnRef idx="0"/>
+    <cs:fillRef idx="1">
+      <cs:styleClr val="auto"/>
+    </cs:fillRef>
+    <cs:effectRef idx="0"/>
+    <cs:fontRef idx="minor">
+      <a:schemeClr val="tx1"/>
+    </cs:fontRef>
+  </cs:dataPoint3D>
+  <cs:dataPointLine>
+    <cs:lnRef idx="0">
+      <cs:styleClr val="auto"/>
+    </cs:lnRef>
+    <cs:fillRef idx="1"/>
+    <cs:effectRef idx="0"/>
+    <cs:fontRef idx="minor">
+      <a:schemeClr val="tx1"/>
+    </cs:fontRef>
+    <cs:spPr>
+      <a:ln w="28575" cap="rnd">
+        <a:solidFill>
+          <a:schemeClr val="phClr"/>
+        </a:solidFill>
+        <a:round/>
+      </a:ln>
+    </cs:spPr>
+  </cs:dataPointLine>
+  <cs:dataPointMarker>
+    <cs:lnRef idx="0">
+      <cs:styleClr val="auto"/>
+    </cs:lnRef>
+    <cs:fillRef idx="1">
+      <cs:styleClr val="auto"/>
+    </cs:fillRef>
+    <cs:effectRef idx="0"/>
+    <cs:fontRef idx="minor">
+      <a:schemeClr val="tx1"/>
+    </cs:fontRef>
+    <cs:spPr>
+      <a:ln w="9525">
+        <a:solidFill>
+          <a:schemeClr val="phClr"/>
+        </a:solidFill>
+      </a:ln>
+    </cs:spPr>
+  </cs:dataPointMarker>
+  <cs:dataPointMarkerLayout symbol="circle" size="5"/>
+  <cs:dataPointWireframe>
+    <cs:lnRef idx="0">
+      <cs:styleClr val="auto"/>
+    </cs:lnRef>
+    <cs:fillRef idx="1"/>
+    <cs:effectRef idx="0"/>
+    <cs:fontRef idx="minor">
+      <a:schemeClr val="tx1"/>
+    </cs:fontRef>
+    <cs:spPr>
+      <a:ln w="9525" cap="rnd">
+        <a:solidFill>
+          <a:schemeClr val="phClr"/>
+        </a:solidFill>
+        <a:round/>
+      </a:ln>
+    </cs:spPr>
+  </cs:dataPointWireframe>
+  <cs:dataTable>
+    <cs:lnRef idx="0"/>
+    <cs:fillRef idx="0"/>
+    <cs:effectRef idx="0"/>
+    <cs:fontRef idx="minor">
+      <a:schemeClr val="tx1">
+        <a:lumMod val="65000"/>
+        <a:lumOff val="35000"/>
+      </a:schemeClr>
+    </cs:fontRef>
+    <cs:spPr>
+      <a:noFill/>
+      <a:ln w="9525" cap="flat" cmpd="sng" algn="ctr">
+        <a:solidFill>
+          <a:schemeClr val="tx1">
+            <a:lumMod val="15000"/>
+            <a:lumOff val="85000"/>
+          </a:schemeClr>
+        </a:solidFill>
+        <a:round/>
+      </a:ln>
+    </cs:spPr>
+    <cs:defRPr sz="1197" kern="1200"/>
+  </cs:dataTable>
+  <cs:downBar>
+    <cs:lnRef idx="0"/>
+    <cs:fillRef idx="0"/>
+    <cs:effectRef idx="0"/>
+    <cs:fontRef idx="minor">
+      <a:schemeClr val="tx1"/>
+    </cs:fontRef>
+    <cs:spPr>
+      <a:solidFill>
+        <a:schemeClr val="dk1">
+          <a:lumMod val="75000"/>
+          <a:lumOff val="25000"/>
+        </a:schemeClr>
+      </a:solidFill>
+      <a:ln w="9525" cap="flat" cmpd="sng" algn="ctr">
+        <a:solidFill>
+          <a:schemeClr val="tx1">
+            <a:lumMod val="65000"/>
+            <a:lumOff val="35000"/>
+          </a:schemeClr>
+        </a:solidFill>
+        <a:round/>
+      </a:ln>
+    </cs:spPr>
+  </cs:downBar>
+  <cs:dropLine>
+    <cs:lnRef idx="0"/>
+    <cs:fillRef idx="0"/>
+    <cs:effectRef idx="0"/>
+    <cs:fontRef idx="minor">
+      <a:schemeClr val="tx1"/>
+    </cs:fontRef>
+    <cs:spPr>
+      <a:ln w="9525" cap="flat" cmpd="sng" algn="ctr">
+        <a:solidFill>
+          <a:schemeClr val="tx1">
+            <a:lumMod val="35000"/>
+            <a:lumOff val="65000"/>
+          </a:schemeClr>
+        </a:solidFill>
+        <a:round/>
+      </a:ln>
+    </cs:spPr>
+  </cs:dropLine>
+  <cs:errorBar>
+    <cs:lnRef idx="0"/>
+    <cs:fillRef idx="0"/>
+    <cs:effectRef idx="0"/>
+    <cs:fontRef idx="minor">
+      <a:schemeClr val="tx1"/>
+    </cs:fontRef>
+    <cs:spPr>
+      <a:ln w="9525" cap="flat" cmpd="sng" algn="ctr">
+        <a:solidFill>
+          <a:schemeClr val="tx1">
+            <a:lumMod val="65000"/>
+            <a:lumOff val="35000"/>
+          </a:schemeClr>
+        </a:solidFill>
+        <a:round/>
+      </a:ln>
+    </cs:spPr>
+  </cs:errorBar>
+  <cs:floor>
+    <cs:lnRef idx="0"/>
+    <cs:fillRef idx="0"/>
+    <cs:effectRef idx="0"/>
+    <cs:fontRef idx="minor">
+      <a:schemeClr val="tx1"/>
+    </cs:fontRef>
+    <cs:spPr>
+      <a:noFill/>
+      <a:ln>
+        <a:noFill/>
+      </a:ln>
+    </cs:spPr>
+  </cs:floor>
+  <cs:gridlineMajor>
+    <cs:lnRef idx="0"/>
+    <cs:fillRef idx="0"/>
+    <cs:effectRef idx="0"/>
+    <cs:fontRef idx="minor">
+      <a:schemeClr val="tx1"/>
+    </cs:fontRef>
+    <cs:spPr>
+      <a:ln w="9525" cap="flat" cmpd="sng" algn="ctr">
+        <a:solidFill>
+          <a:schemeClr val="tx1">
+            <a:lumMod val="15000"/>
+            <a:lumOff val="85000"/>
+          </a:schemeClr>
+        </a:solidFill>
+        <a:round/>
+      </a:ln>
+    </cs:spPr>
+  </cs:gridlineMajor>
+  <cs:gridlineMinor>
+    <cs:lnRef idx="0"/>
+    <cs:fillRef idx="0"/>
+    <cs:effectRef idx="0"/>
+    <cs:fontRef idx="minor">
+      <a:schemeClr val="tx1"/>
+    </cs:fontRef>
+    <cs:spPr>
+      <a:ln w="9525" cap="flat" cmpd="sng" algn="ctr">
+        <a:solidFill>
+          <a:schemeClr val="tx1">
+            <a:lumMod val="5000"/>
+            <a:lumOff val="95000"/>
+          </a:schemeClr>
+        </a:solidFill>
+        <a:round/>
+      </a:ln>
+    </cs:spPr>
+  </cs:gridlineMinor>
+  <cs:hiLoLine>
+    <cs:lnRef idx="0"/>
+    <cs:fillRef idx="0"/>
+    <cs:effectRef idx="0"/>
+    <cs:fontRef idx="minor">
+      <a:schemeClr val="tx1"/>
+    </cs:fontRef>
+    <cs:spPr>
+      <a:ln w="9525" cap="flat" cmpd="sng" algn="ctr">
+        <a:solidFill>
+          <a:schemeClr val="tx1">
+            <a:lumMod val="50000"/>
+            <a:lumOff val="50000"/>
+          </a:schemeClr>
+        </a:solidFill>
+        <a:round/>
+      </a:ln>
+    </cs:spPr>
+  </cs:hiLoLine>
+  <cs:leaderLine>
+    <cs:lnRef idx="0"/>
+    <cs:fillRef idx="0"/>
+    <cs:effectRef idx="0"/>
+    <cs:fontRef idx="minor">
+      <a:schemeClr val="tx1"/>
+    </cs:fontRef>
+    <cs:spPr>
+      <a:ln w="9525" cap="flat" cmpd="sng" algn="ctr">
+        <a:solidFill>
+          <a:schemeClr val="tx1">
+            <a:lumMod val="35000"/>
+            <a:lumOff val="65000"/>
+          </a:schemeClr>
+        </a:solidFill>
+        <a:round/>
+      </a:ln>
+    </cs:spPr>
+  </cs:leaderLine>
+  <cs:legend>
+    <cs:lnRef idx="0"/>
+    <cs:fillRef idx="0"/>
+    <cs:effectRef idx="0"/>
+    <cs:fontRef idx="minor">
+      <a:schemeClr val="tx1">
+        <a:lumMod val="65000"/>
+        <a:lumOff val="35000"/>
+      </a:schemeClr>
+    </cs:fontRef>
+    <cs:defRPr sz="1197" kern="1200"/>
+  </cs:legend>
+  <cs:plotArea mods="allowNoFillOverride allowNoLineOverride">
+    <cs:lnRef idx="0"/>
+    <cs:fillRef idx="0"/>
+    <cs:effectRef idx="0"/>
+    <cs:fontRef idx="minor">
+      <a:schemeClr val="tx1"/>
+    </cs:fontRef>
+  </cs:plotArea>
+  <cs:plotArea3D mods="allowNoFillOverride allowNoLineOverride">
+    <cs:lnRef idx="0"/>
+    <cs:fillRef idx="0"/>
+    <cs:effectRef idx="0"/>
+    <cs:fontRef idx="minor">
+      <a:schemeClr val="tx1"/>
+    </cs:fontRef>
+  </cs:plotArea3D>
+  <cs:seriesAxis>
+    <cs:lnRef idx="0"/>
+    <cs:fillRef idx="0"/>
+    <cs:effectRef idx="0"/>
+    <cs:fontRef idx="minor">
+      <a:schemeClr val="tx1">
+        <a:lumMod val="65000"/>
+        <a:lumOff val="35000"/>
+      </a:schemeClr>
+    </cs:fontRef>
+    <cs:defRPr sz="1197" kern="1200"/>
+  </cs:seriesAxis>
+  <cs:seriesLine>
+    <cs:lnRef idx="0"/>
+    <cs:fillRef idx="0"/>
+    <cs:effectRef idx="0"/>
+    <cs:fontRef idx="minor">
+      <a:schemeClr val="tx1"/>
+    </cs:fontRef>
+    <cs:spPr>
+      <a:ln w="9525" cap="flat" cmpd="sng" algn="ctr">
+        <a:solidFill>
+          <a:schemeClr val="tx1">
+            <a:lumMod val="35000"/>
+            <a:lumOff val="65000"/>
+          </a:schemeClr>
+        </a:solidFill>
+        <a:round/>
+      </a:ln>
+    </cs:spPr>
+  </cs:seriesLine>
+  <cs:title>
+    <cs:lnRef idx="0"/>
+    <cs:fillRef idx="0"/>
+    <cs:effectRef idx="0"/>
+    <cs:fontRef idx="minor">
+      <a:schemeClr val="tx1">
+        <a:lumMod val="65000"/>
+        <a:lumOff val="35000"/>
+      </a:schemeClr>
+    </cs:fontRef>
+    <cs:defRPr sz="1862" b="0" kern="1200" spc="0" baseline="0"/>
+  </cs:title>
+  <cs:trendline>
+    <cs:lnRef idx="0">
+      <cs:styleClr val="auto"/>
+    </cs:lnRef>
+    <cs:fillRef idx="0"/>
+    <cs:effectRef idx="0"/>
+    <cs:fontRef idx="minor">
+      <a:schemeClr val="tx1"/>
+    </cs:fontRef>
+    <cs:spPr>
+      <a:ln w="19050" cap="rnd">
+        <a:solidFill>
+          <a:schemeClr val="phClr"/>
+        </a:solidFill>
+        <a:prstDash val="sysDot"/>
+      </a:ln>
+    </cs:spPr>
+  </cs:trendline>
+  <cs:trendlineLabel>
+    <cs:lnRef idx="0"/>
+    <cs:fillRef idx="0"/>
+    <cs:effectRef idx="0"/>
+    <cs:fontRef idx="minor">
+      <a:schemeClr val="tx1">
+        <a:lumMod val="65000"/>
+        <a:lumOff val="35000"/>
+      </a:schemeClr>
+    </cs:fontRef>
+    <cs:defRPr sz="1197" kern="1200"/>
+  </cs:trendlineLabel>
+  <cs:upBar>
+    <cs:lnRef idx="0"/>
+    <cs:fillRef idx="0"/>
+    <cs:effectRef idx="0"/>
+    <cs:fontRef idx="minor">
+      <a:schemeClr val="tx1"/>
+    </cs:fontRef>
+    <cs:spPr>
+      <a:solidFill>
+        <a:schemeClr val="lt1"/>
+      </a:solidFill>
+      <a:ln w="9525" cap="flat" cmpd="sng" algn="ctr">
+        <a:solidFill>
+          <a:schemeClr val="tx1">
+            <a:lumMod val="65000"/>
+            <a:lumOff val="35000"/>
+          </a:schemeClr>
+        </a:solidFill>
+        <a:round/>
+      </a:ln>
+    </cs:spPr>
+  </cs:upBar>
+  <cs:valueAxis>
+    <cs:lnRef idx="0"/>
+    <cs:fillRef idx="0"/>
+    <cs:effectRef idx="0"/>
+    <cs:fontRef idx="minor">
+      <a:schemeClr val="tx1">
+        <a:lumMod val="65000"/>
+        <a:lumOff val="35000"/>
+      </a:schemeClr>
+    </cs:fontRef>
+    <cs:defRPr sz="1197" kern="1200"/>
+  </cs:valueAxis>
+  <cs:wall>
+    <cs:lnRef idx="0"/>
+    <cs:fillRef idx="0"/>
+    <cs:effectRef idx="0"/>
+    <cs:fontRef idx="minor">
+      <a:schemeClr val="tx1"/>
+    </cs:fontRef>
+    <cs:spPr>
+      <a:noFill/>
+      <a:ln>
+        <a:noFill/>
+      </a:ln>
+    </cs:spPr>
+  </cs:wall>
+</cs:chartStyle>
+</file>
+
 <file path=ppt/handoutMasters/handoutMaster1.xml><?xml version="1.0" encoding="utf-8"?>
 <p:handoutMaster xmlns:a="http://schemas.openxmlformats.org/drawingml/2006/main" xmlns:r="http://schemas.openxmlformats.org/officeDocument/2006/relationships" xmlns:p="http://schemas.openxmlformats.org/presentationml/2006/main">
   <p:cSld>
@@ -224,7 +1189,7 @@
             <a:fld id="{19412975-4CFD-C441-A244-B7FD9A9579C2}" type="datetimeFigureOut">
               <a:rPr lang="en-US" smtClean="0"/>
               <a:pPr/>
-              <a:t>5/23/22</a:t>
+              <a:t>5/27/22</a:t>
             </a:fld>
             <a:endParaRPr lang="en-US"/>
           </a:p>
@@ -392,7 +1357,7 @@
             <a:fld id="{6DAFD1C8-470D-774F-8B40-381C3059BD4A}" type="datetimeFigureOut">
               <a:rPr lang="en-US" smtClean="0"/>
               <a:pPr/>
-              <a:t>5/23/22</a:t>
+              <a:t>5/27/22</a:t>
             </a:fld>
             <a:endParaRPr lang="en-US"/>
           </a:p>
@@ -4576,8 +5541,8 @@
         </p:nvSpPr>
         <p:spPr>
           <a:xfrm>
-            <a:off x="1613909" y="1541599"/>
-            <a:ext cx="5916181" cy="1471700"/>
+            <a:off x="1080332" y="2025332"/>
+            <a:ext cx="6983336" cy="979513"/>
           </a:xfrm>
         </p:spPr>
         <p:txBody>
@@ -4692,36 +5657,6 @@
           <a:chExt cx="0" cy="0"/>
         </a:xfrm>
       </p:grpSpPr>
-      <p:pic>
-        <p:nvPicPr>
-          <p:cNvPr id="14" name="Рисунок 13">
-            <a:extLst>
-              <a:ext uri="{FF2B5EF4-FFF2-40B4-BE49-F238E27FC236}">
-                <a16:creationId xmlns:a16="http://schemas.microsoft.com/office/drawing/2014/main" id="{26A87AA7-0EED-D54C-985C-5C0817FD0D97}"/>
-              </a:ext>
-            </a:extLst>
-          </p:cNvPr>
-          <p:cNvPicPr>
-            <a:picLocks noChangeAspect="1"/>
-          </p:cNvPicPr>
-          <p:nvPr/>
-        </p:nvPicPr>
-        <p:blipFill>
-          <a:blip r:embed="rId2"/>
-          <a:stretch>
-            <a:fillRect/>
-          </a:stretch>
-        </p:blipFill>
-        <p:spPr>
-          <a:xfrm>
-            <a:off x="1616313" y="1899401"/>
-            <a:ext cx="6914530" cy="2647230"/>
-          </a:xfrm>
-          <a:prstGeom prst="rect">
-            <a:avLst/>
-          </a:prstGeom>
-        </p:spPr>
-      </p:pic>
       <p:sp>
         <p:nvSpPr>
           <p:cNvPr id="2" name="Title 1">
@@ -4812,7 +5747,7 @@
                 </a:solidFill>
                 <a:latin typeface="Muller Light" pitchFamily="2" charset="0"/>
               </a:rPr>
-              <a:t>2</a:t>
+              <a:t>0</a:t>
             </a:r>
             <a:endParaRPr lang="ru-RU" dirty="0">
               <a:solidFill>
@@ -4837,7 +5772,7 @@
         </p:nvSpPr>
         <p:spPr>
           <a:xfrm>
-            <a:off x="500131" y="1010000"/>
+            <a:off x="612411" y="1009394"/>
             <a:ext cx="1603768" cy="369332"/>
           </a:xfrm>
           <a:prstGeom prst="rect">
@@ -4857,429 +5792,6 @@
               </a:rPr>
               <a:t>Запрос: </a:t>
             </a:r>
-          </a:p>
-        </p:txBody>
-      </p:sp>
-      <p:sp>
-        <p:nvSpPr>
-          <p:cNvPr id="7" name="Прямоугольник 6">
-            <a:extLst>
-              <a:ext uri="{FF2B5EF4-FFF2-40B4-BE49-F238E27FC236}">
-                <a16:creationId xmlns:a16="http://schemas.microsoft.com/office/drawing/2014/main" id="{9D7A5F40-A15A-CC4F-B825-C5A412A5F284}"/>
-              </a:ext>
-            </a:extLst>
-          </p:cNvPr>
-          <p:cNvSpPr/>
-          <p:nvPr/>
-        </p:nvSpPr>
-        <p:spPr>
-          <a:xfrm>
-            <a:off x="1616313" y="1068404"/>
-            <a:ext cx="6914530" cy="830997"/>
-          </a:xfrm>
-          <a:prstGeom prst="rect">
-            <a:avLst/>
-          </a:prstGeom>
-          <a:solidFill>
-            <a:srgbClr val="080B10"/>
-          </a:solidFill>
-        </p:spPr>
-        <p:txBody>
-          <a:bodyPr wrap="square">
-            <a:spAutoFit/>
-          </a:bodyPr>
-          <a:lstStyle/>
-          <a:p>
-            <a:r>
-              <a:rPr lang="en" sz="1200" i="1" dirty="0">
-                <a:solidFill>
-                  <a:srgbClr val="C792EA"/>
-                </a:solidFill>
-                <a:latin typeface="JetBrains Mono" pitchFamily="2" charset="0"/>
-              </a:rPr>
-              <a:t>SELECT </a:t>
-            </a:r>
-            <a:r>
-              <a:rPr lang="en" sz="1200" dirty="0" err="1">
-                <a:solidFill>
-                  <a:srgbClr val="EEFFFF"/>
-                </a:solidFill>
-                <a:latin typeface="JetBrains Mono" pitchFamily="2" charset="0"/>
-              </a:rPr>
-              <a:t>emp_id</a:t>
-            </a:r>
-            <a:r>
-              <a:rPr lang="en" sz="1200" dirty="0">
-                <a:solidFill>
-                  <a:srgbClr val="EEFFFF"/>
-                </a:solidFill>
-                <a:latin typeface="JetBrains Mono" pitchFamily="2" charset="0"/>
-              </a:rPr>
-              <a:t> </a:t>
-            </a:r>
-            <a:r>
-              <a:rPr lang="en" sz="1200" i="1" dirty="0">
-                <a:solidFill>
-                  <a:srgbClr val="C792EA"/>
-                </a:solidFill>
-                <a:latin typeface="JetBrains Mono" pitchFamily="2" charset="0"/>
-              </a:rPr>
-              <a:t>FROM </a:t>
-            </a:r>
-            <a:r>
-              <a:rPr lang="en" sz="1200" dirty="0">
-                <a:solidFill>
-                  <a:srgbClr val="FFCB6B"/>
-                </a:solidFill>
-                <a:latin typeface="JetBrains Mono" pitchFamily="2" charset="0"/>
-              </a:rPr>
-              <a:t>employee</a:t>
-            </a:r>
-            <a:r>
-              <a:rPr lang="en" sz="1200" i="1" dirty="0">
-                <a:solidFill>
-                  <a:srgbClr val="FFCB6B"/>
-                </a:solidFill>
-                <a:latin typeface="JetBrains Mono" pitchFamily="2" charset="0"/>
-              </a:rPr>
-              <a:t> </a:t>
-            </a:r>
-            <a:r>
-              <a:rPr lang="en" sz="1200" i="1" dirty="0">
-                <a:solidFill>
-                  <a:srgbClr val="C792EA"/>
-                </a:solidFill>
-                <a:latin typeface="JetBrains Mono" pitchFamily="2" charset="0"/>
-              </a:rPr>
-              <a:t>JOIN </a:t>
-            </a:r>
-            <a:r>
-              <a:rPr lang="en" sz="1200" i="1" dirty="0">
-                <a:solidFill>
-                  <a:srgbClr val="FFCB6B"/>
-                </a:solidFill>
-                <a:latin typeface="JetBrains Mono" pitchFamily="2" charset="0"/>
-              </a:rPr>
-              <a:t>position </a:t>
-            </a:r>
-            <a:r>
-              <a:rPr lang="en" sz="1200" i="1" dirty="0">
-                <a:solidFill>
-                  <a:srgbClr val="C792EA"/>
-                </a:solidFill>
-                <a:latin typeface="JetBrains Mono" pitchFamily="2" charset="0"/>
-              </a:rPr>
-              <a:t>USING </a:t>
-            </a:r>
-            <a:r>
-              <a:rPr lang="en" sz="1200" dirty="0">
-                <a:solidFill>
-                  <a:srgbClr val="89DDFF"/>
-                </a:solidFill>
-                <a:latin typeface="JetBrains Mono" pitchFamily="2" charset="0"/>
-              </a:rPr>
-              <a:t>(</a:t>
-            </a:r>
-            <a:r>
-              <a:rPr lang="en" sz="1200" dirty="0" err="1">
-                <a:solidFill>
-                  <a:srgbClr val="EEFFFF"/>
-                </a:solidFill>
-                <a:latin typeface="JetBrains Mono" pitchFamily="2" charset="0"/>
-              </a:rPr>
-              <a:t>pos_id</a:t>
-            </a:r>
-            <a:r>
-              <a:rPr lang="en" sz="1200" dirty="0">
-                <a:solidFill>
-                  <a:srgbClr val="89DDFF"/>
-                </a:solidFill>
-                <a:latin typeface="JetBrains Mono" pitchFamily="2" charset="0"/>
-              </a:rPr>
-              <a:t>) </a:t>
-            </a:r>
-            <a:r>
-              <a:rPr lang="en" sz="1200" i="1" dirty="0">
-                <a:solidFill>
-                  <a:srgbClr val="C792EA"/>
-                </a:solidFill>
-                <a:latin typeface="JetBrains Mono" pitchFamily="2" charset="0"/>
-              </a:rPr>
-              <a:t>JOIN </a:t>
-            </a:r>
-            <a:r>
-              <a:rPr lang="en" sz="1200" dirty="0" err="1">
-                <a:solidFill>
-                  <a:srgbClr val="FFCB6B"/>
-                </a:solidFill>
-                <a:latin typeface="JetBrains Mono" pitchFamily="2" charset="0"/>
-              </a:rPr>
-              <a:t>missions_emp</a:t>
-            </a:r>
-            <a:r>
-              <a:rPr lang="en" sz="1200" dirty="0">
-                <a:solidFill>
-                  <a:srgbClr val="FFCB6B"/>
-                </a:solidFill>
-                <a:latin typeface="JetBrains Mono" pitchFamily="2" charset="0"/>
-              </a:rPr>
-              <a:t> </a:t>
-            </a:r>
-            <a:r>
-              <a:rPr lang="en" sz="1200" i="1" dirty="0">
-                <a:solidFill>
-                  <a:srgbClr val="C792EA"/>
-                </a:solidFill>
-                <a:latin typeface="JetBrains Mono" pitchFamily="2" charset="0"/>
-              </a:rPr>
-              <a:t>USING </a:t>
-            </a:r>
-            <a:r>
-              <a:rPr lang="en" sz="1200" dirty="0">
-                <a:solidFill>
-                  <a:srgbClr val="89DDFF"/>
-                </a:solidFill>
-                <a:latin typeface="JetBrains Mono" pitchFamily="2" charset="0"/>
-              </a:rPr>
-              <a:t>(</a:t>
-            </a:r>
-            <a:r>
-              <a:rPr lang="en" sz="1200" dirty="0" err="1">
-                <a:solidFill>
-                  <a:srgbClr val="EEFFFF"/>
-                </a:solidFill>
-                <a:latin typeface="JetBrains Mono" pitchFamily="2" charset="0"/>
-              </a:rPr>
-              <a:t>emp_id</a:t>
-            </a:r>
-            <a:r>
-              <a:rPr lang="en" sz="1200" dirty="0">
-                <a:solidFill>
-                  <a:srgbClr val="89DDFF"/>
-                </a:solidFill>
-                <a:latin typeface="JetBrains Mono" pitchFamily="2" charset="0"/>
-              </a:rPr>
-              <a:t>) </a:t>
-            </a:r>
-            <a:r>
-              <a:rPr lang="en" sz="1200" i="1" dirty="0">
-                <a:solidFill>
-                  <a:srgbClr val="C792EA"/>
-                </a:solidFill>
-                <a:latin typeface="JetBrains Mono" pitchFamily="2" charset="0"/>
-              </a:rPr>
-              <a:t>JOIN </a:t>
-            </a:r>
-            <a:r>
-              <a:rPr lang="en" sz="1200" dirty="0">
-                <a:solidFill>
-                  <a:srgbClr val="FFCB6B"/>
-                </a:solidFill>
-                <a:latin typeface="JetBrains Mono" pitchFamily="2" charset="0"/>
-              </a:rPr>
-              <a:t>mission </a:t>
-            </a:r>
-            <a:r>
-              <a:rPr lang="en" sz="1200" i="1" dirty="0">
-                <a:solidFill>
-                  <a:srgbClr val="C792EA"/>
-                </a:solidFill>
-                <a:latin typeface="JetBrains Mono" pitchFamily="2" charset="0"/>
-              </a:rPr>
-              <a:t>USING </a:t>
-            </a:r>
-            <a:r>
-              <a:rPr lang="en" sz="1200" dirty="0">
-                <a:solidFill>
-                  <a:srgbClr val="89DDFF"/>
-                </a:solidFill>
-                <a:latin typeface="JetBrains Mono" pitchFamily="2" charset="0"/>
-              </a:rPr>
-              <a:t>(</a:t>
-            </a:r>
-            <a:r>
-              <a:rPr lang="en" sz="1200" dirty="0" err="1">
-                <a:solidFill>
-                  <a:srgbClr val="EEFFFF"/>
-                </a:solidFill>
-                <a:latin typeface="JetBrains Mono" pitchFamily="2" charset="0"/>
-              </a:rPr>
-              <a:t>miss_id</a:t>
-            </a:r>
-            <a:r>
-              <a:rPr lang="en" sz="1200" dirty="0">
-                <a:solidFill>
-                  <a:srgbClr val="89DDFF"/>
-                </a:solidFill>
-                <a:latin typeface="JetBrains Mono" pitchFamily="2" charset="0"/>
-              </a:rPr>
-              <a:t>) </a:t>
-            </a:r>
-            <a:r>
-              <a:rPr lang="en" sz="1200" i="1" dirty="0">
-                <a:solidFill>
-                  <a:srgbClr val="C792EA"/>
-                </a:solidFill>
-                <a:latin typeface="JetBrains Mono" pitchFamily="2" charset="0"/>
-              </a:rPr>
-              <a:t>WHERE </a:t>
-            </a:r>
-            <a:r>
-              <a:rPr lang="en" sz="1200" dirty="0">
-                <a:solidFill>
-                  <a:srgbClr val="EEFFFF"/>
-                </a:solidFill>
-                <a:latin typeface="JetBrains Mono" pitchFamily="2" charset="0"/>
-              </a:rPr>
-              <a:t>rank </a:t>
-            </a:r>
-            <a:r>
-              <a:rPr lang="en" sz="1200" dirty="0">
-                <a:solidFill>
-                  <a:srgbClr val="FFCB6B"/>
-                </a:solidFill>
-                <a:latin typeface="JetBrains Mono" pitchFamily="2" charset="0"/>
-              </a:rPr>
-              <a:t>!~~ </a:t>
-            </a:r>
-            <a:r>
-              <a:rPr lang="en" sz="1200" dirty="0">
-                <a:solidFill>
-                  <a:srgbClr val="C3E88D"/>
-                </a:solidFill>
-                <a:latin typeface="JetBrains Mono" pitchFamily="2" charset="0"/>
-              </a:rPr>
-              <a:t>'' </a:t>
-            </a:r>
-            <a:r>
-              <a:rPr lang="en" sz="1200" i="1" dirty="0">
-                <a:solidFill>
-                  <a:srgbClr val="C792EA"/>
-                </a:solidFill>
-                <a:latin typeface="JetBrains Mono" pitchFamily="2" charset="0"/>
-              </a:rPr>
-              <a:t>ORDER BY </a:t>
-            </a:r>
-            <a:r>
-              <a:rPr lang="en" sz="1200" dirty="0" err="1">
-                <a:solidFill>
-                  <a:srgbClr val="EEFFFF"/>
-                </a:solidFill>
-                <a:latin typeface="JetBrains Mono" pitchFamily="2" charset="0"/>
-              </a:rPr>
-              <a:t>is_married</a:t>
-            </a:r>
-            <a:r>
-              <a:rPr lang="en" sz="1200" dirty="0">
-                <a:solidFill>
-                  <a:srgbClr val="EEFFFF"/>
-                </a:solidFill>
-                <a:latin typeface="JetBrains Mono" pitchFamily="2" charset="0"/>
-              </a:rPr>
-              <a:t> </a:t>
-            </a:r>
-            <a:r>
-              <a:rPr lang="en" sz="1200" i="1" dirty="0">
-                <a:solidFill>
-                  <a:srgbClr val="C792EA"/>
-                </a:solidFill>
-                <a:latin typeface="JetBrains Mono" pitchFamily="2" charset="0"/>
-              </a:rPr>
-              <a:t>DESC</a:t>
-            </a:r>
-            <a:r>
-              <a:rPr lang="en" sz="1200" dirty="0">
-                <a:solidFill>
-                  <a:srgbClr val="89DDFF"/>
-                </a:solidFill>
-                <a:latin typeface="JetBrains Mono" pitchFamily="2" charset="0"/>
-              </a:rPr>
-              <a:t>, </a:t>
-            </a:r>
-            <a:r>
-              <a:rPr lang="en" sz="1200" dirty="0" err="1">
-                <a:solidFill>
-                  <a:srgbClr val="EEFFFF"/>
-                </a:solidFill>
-                <a:latin typeface="JetBrains Mono" pitchFamily="2" charset="0"/>
-              </a:rPr>
-              <a:t>end_date_and_time</a:t>
-            </a:r>
-            <a:r>
-              <a:rPr lang="en" sz="1200" dirty="0">
-                <a:solidFill>
-                  <a:srgbClr val="EEFFFF"/>
-                </a:solidFill>
-                <a:latin typeface="JetBrains Mono" pitchFamily="2" charset="0"/>
-              </a:rPr>
-              <a:t> </a:t>
-            </a:r>
-            <a:r>
-              <a:rPr lang="en" sz="1200" i="1" dirty="0">
-                <a:solidFill>
-                  <a:srgbClr val="C792EA"/>
-                </a:solidFill>
-                <a:latin typeface="JetBrains Mono" pitchFamily="2" charset="0"/>
-              </a:rPr>
-              <a:t>DESC</a:t>
-            </a:r>
-            <a:r>
-              <a:rPr lang="en" sz="1200" dirty="0">
-                <a:solidFill>
-                  <a:srgbClr val="89DDFF"/>
-                </a:solidFill>
-                <a:latin typeface="JetBrains Mono" pitchFamily="2" charset="0"/>
-              </a:rPr>
-              <a:t>, </a:t>
-            </a:r>
-            <a:r>
-              <a:rPr lang="en" sz="1200" dirty="0" err="1">
-                <a:solidFill>
-                  <a:srgbClr val="EEFFFF"/>
-                </a:solidFill>
-                <a:latin typeface="JetBrains Mono" pitchFamily="2" charset="0"/>
-              </a:rPr>
-              <a:t>hiring_date</a:t>
-            </a:r>
-            <a:r>
-              <a:rPr lang="en" sz="1200" dirty="0">
-                <a:solidFill>
-                  <a:srgbClr val="EEFFFF"/>
-                </a:solidFill>
-                <a:latin typeface="JetBrains Mono" pitchFamily="2" charset="0"/>
-              </a:rPr>
-              <a:t> </a:t>
-            </a:r>
-            <a:r>
-              <a:rPr lang="en" sz="1200" i="1" dirty="0">
-                <a:solidFill>
-                  <a:srgbClr val="C792EA"/>
-                </a:solidFill>
-                <a:latin typeface="JetBrains Mono" pitchFamily="2" charset="0"/>
-              </a:rPr>
-              <a:t>DESC LIMIT </a:t>
-            </a:r>
-            <a:r>
-              <a:rPr lang="en" sz="1200" dirty="0">
-                <a:solidFill>
-                  <a:srgbClr val="F78C6C"/>
-                </a:solidFill>
-                <a:latin typeface="JetBrains Mono" pitchFamily="2" charset="0"/>
-              </a:rPr>
-              <a:t>20</a:t>
-            </a:r>
-            <a:r>
-              <a:rPr lang="en" sz="1200" dirty="0">
-                <a:solidFill>
-                  <a:srgbClr val="89DDFF"/>
-                </a:solidFill>
-                <a:latin typeface="JetBrains Mono" pitchFamily="2" charset="0"/>
-              </a:rPr>
-              <a:t>;</a:t>
-            </a:r>
-            <a:endParaRPr lang="ru-RU" sz="1200" dirty="0">
-              <a:latin typeface="JetBrains Mono" pitchFamily="2" charset="0"/>
-            </a:endParaRPr>
           </a:p>
         </p:txBody>
       </p:sp>
@@ -5297,7 +5809,7 @@
         </p:nvSpPr>
         <p:spPr>
           <a:xfrm>
-            <a:off x="500131" y="1846538"/>
+            <a:off x="612411" y="1731182"/>
             <a:ext cx="1603768" cy="369332"/>
           </a:xfrm>
           <a:prstGeom prst="rect">
@@ -5332,10 +5844,466 @@
           </a:p>
         </p:txBody>
       </p:sp>
+      <p:sp>
+        <p:nvSpPr>
+          <p:cNvPr id="8" name="Прямоугольник 7">
+            <a:extLst>
+              <a:ext uri="{FF2B5EF4-FFF2-40B4-BE49-F238E27FC236}">
+                <a16:creationId xmlns:a16="http://schemas.microsoft.com/office/drawing/2014/main" id="{1AA47302-1E1A-6849-A57B-AE21B6202E64}"/>
+              </a:ext>
+            </a:extLst>
+          </p:cNvPr>
+          <p:cNvSpPr/>
+          <p:nvPr/>
+        </p:nvSpPr>
+        <p:spPr>
+          <a:xfrm>
+            <a:off x="1600395" y="1018458"/>
+            <a:ext cx="6931194" cy="830997"/>
+          </a:xfrm>
+          <a:prstGeom prst="rect">
+            <a:avLst/>
+          </a:prstGeom>
+        </p:spPr>
+        <p:txBody>
+          <a:bodyPr wrap="square">
+            <a:spAutoFit/>
+          </a:bodyPr>
+          <a:lstStyle/>
+          <a:p>
+            <a:r>
+              <a:rPr lang="en" sz="1200" dirty="0">
+                <a:solidFill>
+                  <a:srgbClr val="001DA4"/>
+                </a:solidFill>
+                <a:latin typeface="JetBrains Mono" pitchFamily="2" charset="0"/>
+              </a:rPr>
+              <a:t>SELECT </a:t>
+            </a:r>
+            <a:r>
+              <a:rPr lang="en" sz="1200" dirty="0" err="1">
+                <a:solidFill>
+                  <a:srgbClr val="720082"/>
+                </a:solidFill>
+                <a:latin typeface="JetBrains Mono" pitchFamily="2" charset="0"/>
+              </a:rPr>
+              <a:t>emp_id</a:t>
+            </a:r>
+            <a:r>
+              <a:rPr lang="en" sz="1200" dirty="0">
+                <a:solidFill>
+                  <a:srgbClr val="720082"/>
+                </a:solidFill>
+                <a:latin typeface="JetBrains Mono" pitchFamily="2" charset="0"/>
+              </a:rPr>
+              <a:t> </a:t>
+            </a:r>
+            <a:r>
+              <a:rPr lang="en" sz="1200" dirty="0">
+                <a:solidFill>
+                  <a:srgbClr val="001DA4"/>
+                </a:solidFill>
+                <a:latin typeface="JetBrains Mono" pitchFamily="2" charset="0"/>
+              </a:rPr>
+              <a:t>FROM </a:t>
+            </a:r>
+            <a:r>
+              <a:rPr lang="en" sz="1200" dirty="0">
+                <a:solidFill>
+                  <a:srgbClr val="000000"/>
+                </a:solidFill>
+                <a:latin typeface="JetBrains Mono" pitchFamily="2" charset="0"/>
+              </a:rPr>
+              <a:t>employee </a:t>
+            </a:r>
+            <a:r>
+              <a:rPr lang="en" sz="1200" dirty="0">
+                <a:solidFill>
+                  <a:srgbClr val="001DA4"/>
+                </a:solidFill>
+                <a:latin typeface="JetBrains Mono" pitchFamily="2" charset="0"/>
+              </a:rPr>
+              <a:t>JOIN </a:t>
+            </a:r>
+            <a:r>
+              <a:rPr lang="en" sz="1200" dirty="0">
+                <a:solidFill>
+                  <a:srgbClr val="000000"/>
+                </a:solidFill>
+                <a:latin typeface="JetBrains Mono" pitchFamily="2" charset="0"/>
+              </a:rPr>
+              <a:t>position </a:t>
+            </a:r>
+            <a:r>
+              <a:rPr lang="en" sz="1200" dirty="0">
+                <a:solidFill>
+                  <a:srgbClr val="001DA4"/>
+                </a:solidFill>
+                <a:latin typeface="JetBrains Mono" pitchFamily="2" charset="0"/>
+              </a:rPr>
+              <a:t>USING </a:t>
+            </a:r>
+            <a:r>
+              <a:rPr lang="en" sz="1200" dirty="0">
+                <a:solidFill>
+                  <a:srgbClr val="090909"/>
+                </a:solidFill>
+                <a:latin typeface="JetBrains Mono" pitchFamily="2" charset="0"/>
+              </a:rPr>
+              <a:t>(</a:t>
+            </a:r>
+            <a:r>
+              <a:rPr lang="en" sz="1200" dirty="0" err="1">
+                <a:solidFill>
+                  <a:srgbClr val="720082"/>
+                </a:solidFill>
+                <a:latin typeface="JetBrains Mono" pitchFamily="2" charset="0"/>
+              </a:rPr>
+              <a:t>pos_id</a:t>
+            </a:r>
+            <a:r>
+              <a:rPr lang="en" sz="1200" dirty="0">
+                <a:solidFill>
+                  <a:srgbClr val="090909"/>
+                </a:solidFill>
+                <a:latin typeface="JetBrains Mono" pitchFamily="2" charset="0"/>
+              </a:rPr>
+              <a:t>) </a:t>
+            </a:r>
+            <a:r>
+              <a:rPr lang="en" sz="1200" dirty="0">
+                <a:solidFill>
+                  <a:srgbClr val="001DA4"/>
+                </a:solidFill>
+                <a:latin typeface="JetBrains Mono" pitchFamily="2" charset="0"/>
+              </a:rPr>
+              <a:t>JOIN </a:t>
+            </a:r>
+            <a:r>
+              <a:rPr lang="en" sz="1200" dirty="0" err="1">
+                <a:solidFill>
+                  <a:srgbClr val="000000"/>
+                </a:solidFill>
+                <a:latin typeface="JetBrains Mono" pitchFamily="2" charset="0"/>
+              </a:rPr>
+              <a:t>missions_emp</a:t>
+            </a:r>
+            <a:r>
+              <a:rPr lang="en" sz="1200" dirty="0">
+                <a:solidFill>
+                  <a:srgbClr val="000000"/>
+                </a:solidFill>
+                <a:latin typeface="JetBrains Mono" pitchFamily="2" charset="0"/>
+              </a:rPr>
+              <a:t> </a:t>
+            </a:r>
+            <a:r>
+              <a:rPr lang="en" sz="1200" dirty="0">
+                <a:solidFill>
+                  <a:srgbClr val="001DA4"/>
+                </a:solidFill>
+                <a:latin typeface="JetBrains Mono" pitchFamily="2" charset="0"/>
+              </a:rPr>
+              <a:t>USING </a:t>
+            </a:r>
+            <a:r>
+              <a:rPr lang="en" sz="1200" dirty="0">
+                <a:solidFill>
+                  <a:srgbClr val="090909"/>
+                </a:solidFill>
+                <a:latin typeface="JetBrains Mono" pitchFamily="2" charset="0"/>
+              </a:rPr>
+              <a:t>(</a:t>
+            </a:r>
+            <a:r>
+              <a:rPr lang="en" sz="1200" dirty="0" err="1">
+                <a:solidFill>
+                  <a:srgbClr val="720082"/>
+                </a:solidFill>
+                <a:latin typeface="JetBrains Mono" pitchFamily="2" charset="0"/>
+              </a:rPr>
+              <a:t>emp_id</a:t>
+            </a:r>
+            <a:r>
+              <a:rPr lang="en" sz="1200" dirty="0">
+                <a:solidFill>
+                  <a:srgbClr val="090909"/>
+                </a:solidFill>
+                <a:latin typeface="JetBrains Mono" pitchFamily="2" charset="0"/>
+              </a:rPr>
+              <a:t>)</a:t>
+            </a:r>
+            <a:r>
+              <a:rPr lang="ru-RU" sz="1200" dirty="0">
+                <a:solidFill>
+                  <a:srgbClr val="090909"/>
+                </a:solidFill>
+                <a:latin typeface="JetBrains Mono" pitchFamily="2" charset="0"/>
+              </a:rPr>
+              <a:t> </a:t>
+            </a:r>
+            <a:r>
+              <a:rPr lang="en" sz="1200" dirty="0">
+                <a:solidFill>
+                  <a:srgbClr val="001DA4"/>
+                </a:solidFill>
+                <a:latin typeface="JetBrains Mono" pitchFamily="2" charset="0"/>
+              </a:rPr>
+              <a:t>JOIN </a:t>
+            </a:r>
+            <a:r>
+              <a:rPr lang="en" sz="1200" dirty="0">
+                <a:solidFill>
+                  <a:srgbClr val="000000"/>
+                </a:solidFill>
+                <a:latin typeface="JetBrains Mono" pitchFamily="2" charset="0"/>
+              </a:rPr>
+              <a:t>mission </a:t>
+            </a:r>
+            <a:r>
+              <a:rPr lang="en" sz="1200" dirty="0">
+                <a:solidFill>
+                  <a:srgbClr val="001DA4"/>
+                </a:solidFill>
+                <a:latin typeface="JetBrains Mono" pitchFamily="2" charset="0"/>
+              </a:rPr>
+              <a:t>USING </a:t>
+            </a:r>
+            <a:r>
+              <a:rPr lang="en" sz="1200" dirty="0">
+                <a:solidFill>
+                  <a:srgbClr val="090909"/>
+                </a:solidFill>
+                <a:latin typeface="JetBrains Mono" pitchFamily="2" charset="0"/>
+              </a:rPr>
+              <a:t>(</a:t>
+            </a:r>
+            <a:r>
+              <a:rPr lang="en" sz="1200" dirty="0" err="1">
+                <a:solidFill>
+                  <a:srgbClr val="720082"/>
+                </a:solidFill>
+                <a:latin typeface="JetBrains Mono" pitchFamily="2" charset="0"/>
+              </a:rPr>
+              <a:t>miss_id</a:t>
+            </a:r>
+            <a:r>
+              <a:rPr lang="en" sz="1200" dirty="0">
+                <a:solidFill>
+                  <a:srgbClr val="090909"/>
+                </a:solidFill>
+                <a:latin typeface="JetBrains Mono" pitchFamily="2" charset="0"/>
+              </a:rPr>
+              <a:t>)</a:t>
+            </a:r>
+            <a:r>
+              <a:rPr lang="ru-RU" sz="1200" dirty="0">
+                <a:solidFill>
+                  <a:srgbClr val="090909"/>
+                </a:solidFill>
+                <a:latin typeface="JetBrains Mono" pitchFamily="2" charset="0"/>
+              </a:rPr>
+              <a:t> </a:t>
+            </a:r>
+            <a:r>
+              <a:rPr lang="en" sz="1200" dirty="0">
+                <a:solidFill>
+                  <a:srgbClr val="001DA4"/>
+                </a:solidFill>
+                <a:latin typeface="JetBrains Mono" pitchFamily="2" charset="0"/>
+              </a:rPr>
+              <a:t>WHERE </a:t>
+            </a:r>
+            <a:r>
+              <a:rPr lang="en" sz="1200" dirty="0">
+                <a:solidFill>
+                  <a:srgbClr val="720082"/>
+                </a:solidFill>
+                <a:latin typeface="JetBrains Mono" pitchFamily="2" charset="0"/>
+              </a:rPr>
+              <a:t>rank </a:t>
+            </a:r>
+            <a:r>
+              <a:rPr lang="en" sz="1200" dirty="0">
+                <a:solidFill>
+                  <a:srgbClr val="000000"/>
+                </a:solidFill>
+                <a:latin typeface="JetBrains Mono" pitchFamily="2" charset="0"/>
+              </a:rPr>
+              <a:t>!~~ </a:t>
+            </a:r>
+            <a:r>
+              <a:rPr lang="en" sz="1200" dirty="0">
+                <a:solidFill>
+                  <a:srgbClr val="116D12"/>
+                </a:solidFill>
+                <a:latin typeface="JetBrains Mono" pitchFamily="2" charset="0"/>
+              </a:rPr>
+              <a:t>'' </a:t>
+            </a:r>
+            <a:r>
+              <a:rPr lang="en" sz="1200" dirty="0">
+                <a:solidFill>
+                  <a:srgbClr val="001DA4"/>
+                </a:solidFill>
+                <a:latin typeface="JetBrains Mono" pitchFamily="2" charset="0"/>
+              </a:rPr>
+              <a:t>ORDER BY </a:t>
+            </a:r>
+            <a:r>
+              <a:rPr lang="en" sz="1200" dirty="0" err="1">
+                <a:solidFill>
+                  <a:srgbClr val="720082"/>
+                </a:solidFill>
+                <a:latin typeface="JetBrains Mono" pitchFamily="2" charset="0"/>
+              </a:rPr>
+              <a:t>is_married</a:t>
+            </a:r>
+            <a:r>
+              <a:rPr lang="en" sz="1200" dirty="0">
+                <a:solidFill>
+                  <a:srgbClr val="720082"/>
+                </a:solidFill>
+                <a:latin typeface="JetBrains Mono" pitchFamily="2" charset="0"/>
+              </a:rPr>
+              <a:t> </a:t>
+            </a:r>
+            <a:r>
+              <a:rPr lang="en" sz="1200" dirty="0">
+                <a:solidFill>
+                  <a:srgbClr val="001DA4"/>
+                </a:solidFill>
+                <a:latin typeface="JetBrains Mono" pitchFamily="2" charset="0"/>
+              </a:rPr>
+              <a:t>DESC</a:t>
+            </a:r>
+            <a:r>
+              <a:rPr lang="en" sz="1200" dirty="0">
+                <a:solidFill>
+                  <a:srgbClr val="090909"/>
+                </a:solidFill>
+                <a:latin typeface="JetBrains Mono" pitchFamily="2" charset="0"/>
+              </a:rPr>
+              <a:t>, </a:t>
+            </a:r>
+            <a:r>
+              <a:rPr lang="en" sz="1200" dirty="0" err="1">
+                <a:solidFill>
+                  <a:srgbClr val="720082"/>
+                </a:solidFill>
+                <a:latin typeface="JetBrains Mono" pitchFamily="2" charset="0"/>
+              </a:rPr>
+              <a:t>end_date_and_time</a:t>
+            </a:r>
+            <a:r>
+              <a:rPr lang="en" sz="1200" dirty="0">
+                <a:solidFill>
+                  <a:srgbClr val="720082"/>
+                </a:solidFill>
+                <a:latin typeface="JetBrains Mono" pitchFamily="2" charset="0"/>
+              </a:rPr>
+              <a:t> </a:t>
+            </a:r>
+            <a:r>
+              <a:rPr lang="en" sz="1200" dirty="0">
+                <a:solidFill>
+                  <a:srgbClr val="001DA4"/>
+                </a:solidFill>
+                <a:latin typeface="JetBrains Mono" pitchFamily="2" charset="0"/>
+              </a:rPr>
+              <a:t>DESC</a:t>
+            </a:r>
+            <a:r>
+              <a:rPr lang="en" sz="1200" dirty="0">
+                <a:solidFill>
+                  <a:srgbClr val="090909"/>
+                </a:solidFill>
+                <a:latin typeface="JetBrains Mono" pitchFamily="2" charset="0"/>
+              </a:rPr>
+              <a:t>, </a:t>
+            </a:r>
+            <a:r>
+              <a:rPr lang="en" sz="1200" dirty="0" err="1">
+                <a:solidFill>
+                  <a:srgbClr val="720082"/>
+                </a:solidFill>
+                <a:latin typeface="JetBrains Mono" pitchFamily="2" charset="0"/>
+              </a:rPr>
+              <a:t>hiring_date</a:t>
+            </a:r>
+            <a:r>
+              <a:rPr lang="en" sz="1200" dirty="0">
+                <a:solidFill>
+                  <a:srgbClr val="720082"/>
+                </a:solidFill>
+                <a:latin typeface="JetBrains Mono" pitchFamily="2" charset="0"/>
+              </a:rPr>
+              <a:t> </a:t>
+            </a:r>
+            <a:r>
+              <a:rPr lang="en" sz="1200" dirty="0">
+                <a:solidFill>
+                  <a:srgbClr val="001DA4"/>
+                </a:solidFill>
+                <a:latin typeface="JetBrains Mono" pitchFamily="2" charset="0"/>
+              </a:rPr>
+              <a:t>DESCLIMIT </a:t>
+            </a:r>
+            <a:r>
+              <a:rPr lang="en" sz="1200" dirty="0">
+                <a:solidFill>
+                  <a:srgbClr val="1233E6"/>
+                </a:solidFill>
+                <a:latin typeface="JetBrains Mono" pitchFamily="2" charset="0"/>
+              </a:rPr>
+              <a:t>20</a:t>
+            </a:r>
+            <a:r>
+              <a:rPr lang="en" sz="1200" dirty="0">
+                <a:solidFill>
+                  <a:srgbClr val="090909"/>
+                </a:solidFill>
+                <a:latin typeface="JetBrains Mono" pitchFamily="2" charset="0"/>
+              </a:rPr>
+              <a:t>;</a:t>
+            </a:r>
+          </a:p>
+        </p:txBody>
+      </p:sp>
+      <p:pic>
+        <p:nvPicPr>
+          <p:cNvPr id="10" name="Рисунок 9">
+            <a:extLst>
+              <a:ext uri="{FF2B5EF4-FFF2-40B4-BE49-F238E27FC236}">
+                <a16:creationId xmlns:a16="http://schemas.microsoft.com/office/drawing/2014/main" id="{8462157A-080A-904A-812F-73F4064442E0}"/>
+              </a:ext>
+            </a:extLst>
+          </p:cNvPr>
+          <p:cNvPicPr>
+            <a:picLocks noChangeAspect="1"/>
+          </p:cNvPicPr>
+          <p:nvPr/>
+        </p:nvPicPr>
+        <p:blipFill>
+          <a:blip r:embed="rId2"/>
+          <a:stretch>
+            <a:fillRect/>
+          </a:stretch>
+        </p:blipFill>
+        <p:spPr>
+          <a:xfrm>
+            <a:off x="1696246" y="1824790"/>
+            <a:ext cx="6835343" cy="2754168"/>
+          </a:xfrm>
+          <a:prstGeom prst="rect">
+            <a:avLst/>
+          </a:prstGeom>
+        </p:spPr>
+      </p:pic>
     </p:spTree>
     <p:extLst>
       <p:ext uri="{BB962C8B-B14F-4D97-AF65-F5344CB8AC3E}">
-        <p14:creationId xmlns:p14="http://schemas.microsoft.com/office/powerpoint/2010/main" val="1573297460"/>
+        <p14:creationId xmlns:p14="http://schemas.microsoft.com/office/powerpoint/2010/main" val="2417296807"/>
       </p:ext>
     </p:extLst>
   </p:cSld>
@@ -5346,6 +6314,230 @@
 </file>
 
 <file path=ppt/slides/slide11.xml><?xml version="1.0" encoding="utf-8"?>
+<p:sld xmlns:a="http://schemas.openxmlformats.org/drawingml/2006/main" xmlns:r="http://schemas.openxmlformats.org/officeDocument/2006/relationships" xmlns:p="http://schemas.openxmlformats.org/presentationml/2006/main">
+  <p:cSld>
+    <p:spTree>
+      <p:nvGrpSpPr>
+        <p:cNvPr id="1" name=""/>
+        <p:cNvGrpSpPr/>
+        <p:nvPr/>
+      </p:nvGrpSpPr>
+      <p:grpSpPr>
+        <a:xfrm>
+          <a:off x="0" y="0"/>
+          <a:ext cx="0" cy="0"/>
+          <a:chOff x="0" y="0"/>
+          <a:chExt cx="0" cy="0"/>
+        </a:xfrm>
+      </p:grpSpPr>
+      <p:sp>
+        <p:nvSpPr>
+          <p:cNvPr id="4" name="TextBox 3">
+            <a:extLst>
+              <a:ext uri="{FF2B5EF4-FFF2-40B4-BE49-F238E27FC236}">
+                <a16:creationId xmlns:a16="http://schemas.microsoft.com/office/drawing/2014/main" id="{02FEBC23-1DA9-5243-98FE-D589B0385040}"/>
+              </a:ext>
+            </a:extLst>
+          </p:cNvPr>
+          <p:cNvSpPr txBox="1"/>
+          <p:nvPr/>
+        </p:nvSpPr>
+        <p:spPr>
+          <a:xfrm>
+            <a:off x="8450869" y="4578958"/>
+            <a:ext cx="474470" cy="369332"/>
+          </a:xfrm>
+          <a:prstGeom prst="rect">
+            <a:avLst/>
+          </a:prstGeom>
+          <a:noFill/>
+        </p:spPr>
+        <p:txBody>
+          <a:bodyPr wrap="square" rtlCol="0">
+            <a:spAutoFit/>
+          </a:bodyPr>
+          <a:lstStyle/>
+          <a:p>
+            <a:r>
+              <a:rPr lang="ru-RU" dirty="0">
+                <a:solidFill>
+                  <a:srgbClr val="2151A4"/>
+                </a:solidFill>
+                <a:latin typeface="Muller Light" pitchFamily="2" charset="0"/>
+              </a:rPr>
+              <a:t>1</a:t>
+            </a:r>
+            <a:r>
+              <a:rPr lang="en-US" dirty="0">
+                <a:solidFill>
+                  <a:srgbClr val="2151A4"/>
+                </a:solidFill>
+                <a:latin typeface="Muller Light" pitchFamily="2" charset="0"/>
+              </a:rPr>
+              <a:t>1</a:t>
+            </a:r>
+            <a:endParaRPr lang="ru-RU" dirty="0">
+              <a:solidFill>
+                <a:srgbClr val="2151A4"/>
+              </a:solidFill>
+              <a:latin typeface="Muller Light" pitchFamily="2" charset="0"/>
+            </a:endParaRPr>
+          </a:p>
+        </p:txBody>
+      </p:sp>
+      <p:graphicFrame>
+        <p:nvGraphicFramePr>
+          <p:cNvPr id="11" name="Диаграмма 10">
+            <a:extLst>
+              <a:ext uri="{FF2B5EF4-FFF2-40B4-BE49-F238E27FC236}">
+                <a16:creationId xmlns:a16="http://schemas.microsoft.com/office/drawing/2014/main" id="{D7298E1D-4DAA-EC4B-966E-8610521D62CD}"/>
+              </a:ext>
+            </a:extLst>
+          </p:cNvPr>
+          <p:cNvGraphicFramePr/>
+          <p:nvPr>
+            <p:extLst>
+              <p:ext uri="{D42A27DB-BD31-4B8C-83A1-F6EECF244321}">
+                <p14:modId xmlns:p14="http://schemas.microsoft.com/office/powerpoint/2010/main" val="164455256"/>
+              </p:ext>
+            </p:extLst>
+          </p:nvPr>
+        </p:nvGraphicFramePr>
+        <p:xfrm>
+          <a:off x="826416" y="520895"/>
+          <a:ext cx="6385089" cy="4277347"/>
+        </p:xfrm>
+        <a:graphic>
+          <a:graphicData uri="http://schemas.openxmlformats.org/drawingml/2006/chart">
+            <c:chart xmlns:c="http://schemas.openxmlformats.org/drawingml/2006/chart" xmlns:r="http://schemas.openxmlformats.org/officeDocument/2006/relationships" r:id="rId2"/>
+          </a:graphicData>
+        </a:graphic>
+      </p:graphicFrame>
+      <p:sp>
+        <p:nvSpPr>
+          <p:cNvPr id="12" name="TextBox 11">
+            <a:extLst>
+              <a:ext uri="{FF2B5EF4-FFF2-40B4-BE49-F238E27FC236}">
+                <a16:creationId xmlns:a16="http://schemas.microsoft.com/office/drawing/2014/main" id="{E70F0EFA-4071-884B-8F2A-027AC8FAD2CB}"/>
+              </a:ext>
+            </a:extLst>
+          </p:cNvPr>
+          <p:cNvSpPr txBox="1"/>
+          <p:nvPr/>
+        </p:nvSpPr>
+        <p:spPr>
+          <a:xfrm>
+            <a:off x="7211505" y="3478491"/>
+            <a:ext cx="791852" cy="369332"/>
+          </a:xfrm>
+          <a:prstGeom prst="rect">
+            <a:avLst/>
+          </a:prstGeom>
+          <a:noFill/>
+        </p:spPr>
+        <p:txBody>
+          <a:bodyPr wrap="square" rtlCol="0">
+            <a:spAutoFit/>
+          </a:bodyPr>
+          <a:lstStyle/>
+          <a:p>
+            <a:r>
+              <a:rPr lang="ru-RU" dirty="0">
+                <a:latin typeface="ALS Schlange sans" panose="02000506030000020004" pitchFamily="2" charset="0"/>
+              </a:rPr>
+              <a:t>+ 10%</a:t>
+            </a:r>
+          </a:p>
+        </p:txBody>
+      </p:sp>
+      <p:sp>
+        <p:nvSpPr>
+          <p:cNvPr id="13" name="TextBox 12">
+            <a:extLst>
+              <a:ext uri="{FF2B5EF4-FFF2-40B4-BE49-F238E27FC236}">
+                <a16:creationId xmlns:a16="http://schemas.microsoft.com/office/drawing/2014/main" id="{D6049169-D7FB-CB4B-BED4-A71F0B41BC43}"/>
+              </a:ext>
+            </a:extLst>
+          </p:cNvPr>
+          <p:cNvSpPr txBox="1"/>
+          <p:nvPr/>
+        </p:nvSpPr>
+        <p:spPr>
+          <a:xfrm>
+            <a:off x="7211505" y="2387084"/>
+            <a:ext cx="791852" cy="369332"/>
+          </a:xfrm>
+          <a:prstGeom prst="rect">
+            <a:avLst/>
+          </a:prstGeom>
+          <a:noFill/>
+        </p:spPr>
+        <p:txBody>
+          <a:bodyPr wrap="square" rtlCol="0">
+            <a:spAutoFit/>
+          </a:bodyPr>
+          <a:lstStyle/>
+          <a:p>
+            <a:r>
+              <a:rPr lang="ru-RU" dirty="0">
+                <a:latin typeface="ALS Schlange sans" panose="02000506030000020004" pitchFamily="2" charset="0"/>
+              </a:rPr>
+              <a:t>+ 1%</a:t>
+            </a:r>
+          </a:p>
+        </p:txBody>
+      </p:sp>
+      <p:sp>
+        <p:nvSpPr>
+          <p:cNvPr id="14" name="TextBox 13">
+            <a:extLst>
+              <a:ext uri="{FF2B5EF4-FFF2-40B4-BE49-F238E27FC236}">
+                <a16:creationId xmlns:a16="http://schemas.microsoft.com/office/drawing/2014/main" id="{9CC17A00-F95C-EA4A-A231-BDE55E206AE2}"/>
+              </a:ext>
+            </a:extLst>
+          </p:cNvPr>
+          <p:cNvSpPr txBox="1"/>
+          <p:nvPr/>
+        </p:nvSpPr>
+        <p:spPr>
+          <a:xfrm>
+            <a:off x="7211505" y="1269324"/>
+            <a:ext cx="791852" cy="369332"/>
+          </a:xfrm>
+          <a:prstGeom prst="rect">
+            <a:avLst/>
+          </a:prstGeom>
+          <a:noFill/>
+        </p:spPr>
+        <p:txBody>
+          <a:bodyPr wrap="square" rtlCol="0">
+            <a:spAutoFit/>
+          </a:bodyPr>
+          <a:lstStyle/>
+          <a:p>
+            <a:r>
+              <a:rPr lang="ru-RU" dirty="0">
+                <a:latin typeface="ALS Schlange sans" panose="02000506030000020004" pitchFamily="2" charset="0"/>
+              </a:rPr>
+              <a:t>+ 6%</a:t>
+            </a:r>
+          </a:p>
+        </p:txBody>
+      </p:sp>
+    </p:spTree>
+    <p:extLst>
+      <p:ext uri="{BB962C8B-B14F-4D97-AF65-F5344CB8AC3E}">
+        <p14:creationId xmlns:p14="http://schemas.microsoft.com/office/powerpoint/2010/main" val="3145782100"/>
+      </p:ext>
+    </p:extLst>
+  </p:cSld>
+  <p:clrMapOvr>
+    <a:masterClrMapping/>
+  </p:clrMapOvr>
+</p:sld>
+</file>
+
+<file path=ppt/slides/slide12.xml><?xml version="1.0" encoding="utf-8"?>
 <p:sld xmlns:a="http://schemas.openxmlformats.org/drawingml/2006/main" xmlns:r="http://schemas.openxmlformats.org/officeDocument/2006/relationships" xmlns:p="http://schemas.openxmlformats.org/presentationml/2006/main">
   <p:cSld>
     <p:spTree>
@@ -5452,7 +6644,7 @@
                 </a:solidFill>
                 <a:latin typeface="Muller Light" pitchFamily="2" charset="0"/>
               </a:rPr>
-              <a:t>3</a:t>
+              <a:t>2</a:t>
             </a:r>
             <a:endParaRPr lang="ru-RU" dirty="0">
               <a:solidFill>
@@ -5477,7 +6669,7 @@
         </p:nvSpPr>
         <p:spPr>
           <a:xfrm>
-            <a:off x="845811" y="1833086"/>
+            <a:off x="845811" y="1842513"/>
             <a:ext cx="7452378" cy="2031325"/>
           </a:xfrm>
           <a:prstGeom prst="rect">
@@ -5565,7 +6757,7 @@
 </p:sld>
 </file>
 
-<file path=ppt/slides/slide12.xml><?xml version="1.0" encoding="utf-8"?>
+<file path=ppt/slides/slide13.xml><?xml version="1.0" encoding="utf-8"?>
 <p:sld xmlns:a="http://schemas.openxmlformats.org/drawingml/2006/main" xmlns:r="http://schemas.openxmlformats.org/officeDocument/2006/relationships" xmlns:p="http://schemas.openxmlformats.org/presentationml/2006/main">
   <p:cSld>
     <p:bg>
@@ -5825,7 +7017,7 @@
                 </a:solidFill>
                 <a:latin typeface="Muller Light" pitchFamily="2" charset="0"/>
               </a:rPr>
-              <a:t>3</a:t>
+              <a:t>2</a:t>
             </a:r>
             <a:endParaRPr lang="ru-RU" dirty="0">
               <a:solidFill>
@@ -14635,7 +15827,7 @@
                 </a:solidFill>
                 <a:latin typeface="Muller Light" pitchFamily="2" charset="0"/>
               </a:rPr>
-              <a:t>5</a:t>
+              <a:t>3</a:t>
             </a:r>
             <a:endParaRPr lang="ru-RU" dirty="0">
               <a:solidFill>
@@ -14711,7 +15903,7 @@
                 </a:solidFill>
                 <a:latin typeface="Muller Light" pitchFamily="2" charset="0"/>
               </a:rPr>
-              <a:t>6</a:t>
+              <a:t>4</a:t>
             </a:r>
             <a:endParaRPr lang="ru-RU" dirty="0">
               <a:solidFill>
@@ -15141,7 +16333,7 @@
                 </a:solidFill>
                 <a:latin typeface="Muller Light" pitchFamily="2" charset="0"/>
               </a:rPr>
-              <a:t>7</a:t>
+              <a:t>5</a:t>
             </a:r>
             <a:endParaRPr lang="ru-RU" dirty="0">
               <a:solidFill>
@@ -15211,14 +16403,20 @@
           <a:lstStyle/>
           <a:p>
             <a:r>
-              <a:rPr lang="ru-RU" dirty="0">
+              <a:rPr lang="en-US" dirty="0">
                 <a:solidFill>
                   <a:srgbClr val="2151A4"/>
                 </a:solidFill>
                 <a:latin typeface="Muller Light" pitchFamily="2" charset="0"/>
               </a:rPr>
-              <a:t>8</a:t>
-            </a:r>
+              <a:t>6</a:t>
+            </a:r>
+            <a:endParaRPr lang="ru-RU" dirty="0">
+              <a:solidFill>
+                <a:srgbClr val="2151A4"/>
+              </a:solidFill>
+              <a:latin typeface="Muller Light" pitchFamily="2" charset="0"/>
+            </a:endParaRPr>
           </a:p>
         </p:txBody>
       </p:sp>
@@ -15326,6 +16524,36 @@
           <a:chExt cx="0" cy="0"/>
         </a:xfrm>
       </p:grpSpPr>
+      <p:pic>
+        <p:nvPicPr>
+          <p:cNvPr id="13" name="Рисунок 12">
+            <a:extLst>
+              <a:ext uri="{FF2B5EF4-FFF2-40B4-BE49-F238E27FC236}">
+                <a16:creationId xmlns:a16="http://schemas.microsoft.com/office/drawing/2014/main" id="{F6D3F31B-1E74-1147-B1B3-A7E202ADAA9B}"/>
+              </a:ext>
+            </a:extLst>
+          </p:cNvPr>
+          <p:cNvPicPr>
+            <a:picLocks noChangeAspect="1"/>
+          </p:cNvPicPr>
+          <p:nvPr/>
+        </p:nvPicPr>
+        <p:blipFill>
+          <a:blip r:embed="rId2"/>
+          <a:stretch>
+            <a:fillRect/>
+          </a:stretch>
+        </p:blipFill>
+        <p:spPr>
+          <a:xfrm>
+            <a:off x="3434368" y="1046376"/>
+            <a:ext cx="5341510" cy="4043320"/>
+          </a:xfrm>
+          <a:prstGeom prst="rect">
+            <a:avLst/>
+          </a:prstGeom>
+        </p:spPr>
+      </p:pic>
       <p:sp>
         <p:nvSpPr>
           <p:cNvPr id="4" name="TextBox 3">
@@ -15355,14 +16583,20 @@
           <a:lstStyle/>
           <a:p>
             <a:r>
-              <a:rPr lang="ru-RU" dirty="0">
+              <a:rPr lang="en-US" dirty="0">
                 <a:solidFill>
                   <a:srgbClr val="2151A4"/>
                 </a:solidFill>
                 <a:latin typeface="Muller Light" pitchFamily="2" charset="0"/>
               </a:rPr>
-              <a:t>9</a:t>
-            </a:r>
+              <a:t>7</a:t>
+            </a:r>
+            <a:endParaRPr lang="ru-RU" dirty="0">
+              <a:solidFill>
+                <a:srgbClr val="2151A4"/>
+              </a:solidFill>
+              <a:latin typeface="Muller Light" pitchFamily="2" charset="0"/>
+            </a:endParaRPr>
           </a:p>
         </p:txBody>
       </p:sp>
@@ -15444,7 +16678,7 @@
         </p:nvSpPr>
         <p:spPr>
           <a:xfrm>
-            <a:off x="466783" y="1405259"/>
+            <a:off x="466783" y="1716345"/>
             <a:ext cx="2860880" cy="2031325"/>
           </a:xfrm>
           <a:prstGeom prst="rect">
@@ -15528,36 +16762,6 @@
           </a:p>
         </p:txBody>
       </p:sp>
-      <p:pic>
-        <p:nvPicPr>
-          <p:cNvPr id="13" name="Рисунок 12">
-            <a:extLst>
-              <a:ext uri="{FF2B5EF4-FFF2-40B4-BE49-F238E27FC236}">
-                <a16:creationId xmlns:a16="http://schemas.microsoft.com/office/drawing/2014/main" id="{F6D3F31B-1E74-1147-B1B3-A7E202ADAA9B}"/>
-              </a:ext>
-            </a:extLst>
-          </p:cNvPr>
-          <p:cNvPicPr>
-            <a:picLocks noChangeAspect="1"/>
-          </p:cNvPicPr>
-          <p:nvPr/>
-        </p:nvPicPr>
-        <p:blipFill>
-          <a:blip r:embed="rId2"/>
-          <a:stretch>
-            <a:fillRect/>
-          </a:stretch>
-        </p:blipFill>
-        <p:spPr>
-          <a:xfrm>
-            <a:off x="3434369" y="1150990"/>
-            <a:ext cx="5016500" cy="3797300"/>
-          </a:xfrm>
-          <a:prstGeom prst="rect">
-            <a:avLst/>
-          </a:prstGeom>
-        </p:spPr>
-      </p:pic>
     </p:spTree>
     <p:extLst>
       <p:ext uri="{BB962C8B-B14F-4D97-AF65-F5344CB8AC3E}">
@@ -15617,14 +16821,20 @@
           <a:lstStyle/>
           <a:p>
             <a:r>
-              <a:rPr lang="ru-RU" dirty="0">
+              <a:rPr lang="en-US" dirty="0">
                 <a:solidFill>
                   <a:srgbClr val="2151A4"/>
                 </a:solidFill>
                 <a:latin typeface="Muller Light" pitchFamily="2" charset="0"/>
               </a:rPr>
-              <a:t>10</a:t>
-            </a:r>
+              <a:t>8</a:t>
+            </a:r>
+            <a:endParaRPr lang="ru-RU" dirty="0">
+              <a:solidFill>
+                <a:srgbClr val="2151A4"/>
+              </a:solidFill>
+              <a:latin typeface="Muller Light" pitchFamily="2" charset="0"/>
+            </a:endParaRPr>
           </a:p>
         </p:txBody>
       </p:sp>
@@ -15720,6 +16930,292 @@
           </a:prstGeom>
         </p:spPr>
       </p:pic>
+      <p:sp>
+        <p:nvSpPr>
+          <p:cNvPr id="5" name="TextBox 4">
+            <a:extLst>
+              <a:ext uri="{FF2B5EF4-FFF2-40B4-BE49-F238E27FC236}">
+                <a16:creationId xmlns:a16="http://schemas.microsoft.com/office/drawing/2014/main" id="{6641B15A-519A-C341-BBB6-0D2D861A6521}"/>
+              </a:ext>
+            </a:extLst>
+          </p:cNvPr>
+          <p:cNvSpPr txBox="1"/>
+          <p:nvPr/>
+        </p:nvSpPr>
+        <p:spPr>
+          <a:xfrm>
+            <a:off x="495062" y="1400337"/>
+            <a:ext cx="4350315" cy="2031325"/>
+          </a:xfrm>
+          <a:prstGeom prst="rect">
+            <a:avLst/>
+          </a:prstGeom>
+          <a:noFill/>
+        </p:spPr>
+        <p:txBody>
+          <a:bodyPr wrap="square" rtlCol="0">
+            <a:spAutoFit/>
+          </a:bodyPr>
+          <a:lstStyle/>
+          <a:p>
+            <a:pPr algn="just"/>
+            <a:r>
+              <a:rPr lang="en-US" dirty="0" err="1">
+                <a:latin typeface="Muller Light" pitchFamily="2" charset="0"/>
+              </a:rPr>
+              <a:t>З</a:t>
+            </a:r>
+            <a:r>
+              <a:rPr lang="ru-RU" dirty="0">
+                <a:latin typeface="Muller Light" pitchFamily="2" charset="0"/>
+              </a:rPr>
+              <a:t>а трансформацию выражений из </a:t>
+            </a:r>
+            <a:r>
+              <a:rPr lang="ru-RU" dirty="0" err="1">
+                <a:latin typeface="Muller Light" pitchFamily="2" charset="0"/>
+              </a:rPr>
+              <a:t>A</a:t>
+            </a:r>
+            <a:r>
+              <a:rPr lang="en-US" dirty="0">
+                <a:latin typeface="Muller Light" pitchFamily="2" charset="0"/>
+              </a:rPr>
+              <a:t>NSI SQL </a:t>
+            </a:r>
+            <a:r>
+              <a:rPr lang="en-US" dirty="0" err="1">
+                <a:latin typeface="Muller Light" pitchFamily="2" charset="0"/>
+              </a:rPr>
+              <a:t>в</a:t>
+            </a:r>
+            <a:r>
+              <a:rPr lang="ru-RU" dirty="0">
+                <a:latin typeface="Muller Light" pitchFamily="2" charset="0"/>
+              </a:rPr>
+              <a:t> специфичный для СУБД </a:t>
+            </a:r>
+            <a:r>
+              <a:rPr lang="ru-RU" dirty="0" err="1">
+                <a:latin typeface="Muller Light" pitchFamily="2" charset="0"/>
+              </a:rPr>
+              <a:t>S</a:t>
+            </a:r>
+            <a:r>
+              <a:rPr lang="en-US" dirty="0">
+                <a:latin typeface="Muller Light" pitchFamily="2" charset="0"/>
+              </a:rPr>
+              <a:t>QL </a:t>
+            </a:r>
+            <a:r>
+              <a:rPr lang="en-US" dirty="0" err="1">
+                <a:latin typeface="Muller Light" pitchFamily="2" charset="0"/>
+              </a:rPr>
+              <a:t>о</a:t>
+            </a:r>
+            <a:r>
+              <a:rPr lang="ru-RU" dirty="0" err="1">
+                <a:latin typeface="Muller Light" pitchFamily="2" charset="0"/>
+              </a:rPr>
+              <a:t>твечает</a:t>
+            </a:r>
+            <a:r>
+              <a:rPr lang="ru-RU" dirty="0">
+                <a:latin typeface="Muller Light" pitchFamily="2" charset="0"/>
+              </a:rPr>
+              <a:t> модуль</a:t>
+            </a:r>
+            <a:r>
+              <a:rPr lang="en-US" dirty="0">
+                <a:latin typeface="Muller Light" pitchFamily="2" charset="0"/>
+              </a:rPr>
+              <a:t> </a:t>
+            </a:r>
+            <a:r>
+              <a:rPr lang="en-US" dirty="0" err="1">
+                <a:latin typeface="Muller Light" pitchFamily="2" charset="0"/>
+              </a:rPr>
+              <a:t>к</a:t>
+            </a:r>
+            <a:r>
+              <a:rPr lang="ru-RU" dirty="0" err="1">
+                <a:latin typeface="Muller Light" pitchFamily="2" charset="0"/>
+              </a:rPr>
+              <a:t>онвертации</a:t>
+            </a:r>
+            <a:r>
+              <a:rPr lang="ru-RU" dirty="0">
+                <a:latin typeface="Muller Light" pitchFamily="2" charset="0"/>
+              </a:rPr>
+              <a:t>.</a:t>
+            </a:r>
+          </a:p>
+          <a:p>
+            <a:pPr algn="just"/>
+            <a:endParaRPr lang="ru-RU" dirty="0">
+              <a:latin typeface="Muller Light" pitchFamily="2" charset="0"/>
+            </a:endParaRPr>
+          </a:p>
+          <a:p>
+            <a:pPr algn="just"/>
+            <a:r>
+              <a:rPr lang="ru-RU" dirty="0">
+                <a:latin typeface="Muller Light" pitchFamily="2" charset="0"/>
+              </a:rPr>
+              <a:t>Для добавления поддержки новой СУБД необходимо переопределить </a:t>
+            </a:r>
+            <a:r>
+              <a:rPr lang="ru-RU" dirty="0">
+                <a:solidFill>
+                  <a:srgbClr val="ED0942"/>
+                </a:solidFill>
+                <a:latin typeface="Muller Light" pitchFamily="2" charset="0"/>
+              </a:rPr>
+              <a:t>ОДИН</a:t>
+            </a:r>
+            <a:r>
+              <a:rPr lang="en-US" dirty="0">
+                <a:solidFill>
+                  <a:srgbClr val="ED0942"/>
+                </a:solidFill>
+                <a:latin typeface="Muller Light" pitchFamily="2" charset="0"/>
+              </a:rPr>
+              <a:t> </a:t>
+            </a:r>
+            <a:r>
+              <a:rPr lang="en-US" dirty="0" err="1">
+                <a:solidFill>
+                  <a:srgbClr val="080B10"/>
+                </a:solidFill>
+                <a:latin typeface="Muller Light" pitchFamily="2" charset="0"/>
+              </a:rPr>
+              <a:t>м</a:t>
+            </a:r>
+            <a:r>
+              <a:rPr lang="ru-RU" dirty="0" err="1">
+                <a:solidFill>
+                  <a:srgbClr val="080B10"/>
+                </a:solidFill>
+                <a:latin typeface="Muller Light" pitchFamily="2" charset="0"/>
+              </a:rPr>
+              <a:t>етод</a:t>
+            </a:r>
+            <a:r>
+              <a:rPr lang="ru-RU" dirty="0">
+                <a:solidFill>
+                  <a:srgbClr val="080B10"/>
+                </a:solidFill>
+                <a:latin typeface="Muller Light" pitchFamily="2" charset="0"/>
+              </a:rPr>
+              <a:t>:</a:t>
+            </a:r>
+          </a:p>
+        </p:txBody>
+      </p:sp>
+      <p:sp>
+        <p:nvSpPr>
+          <p:cNvPr id="10" name="Прямоугольник 9">
+            <a:extLst>
+              <a:ext uri="{FF2B5EF4-FFF2-40B4-BE49-F238E27FC236}">
+                <a16:creationId xmlns:a16="http://schemas.microsoft.com/office/drawing/2014/main" id="{DF88B9F1-8560-EF4D-9039-F5DDC6EB1937}"/>
+              </a:ext>
+            </a:extLst>
+          </p:cNvPr>
+          <p:cNvSpPr/>
+          <p:nvPr/>
+        </p:nvSpPr>
+        <p:spPr>
+          <a:xfrm>
+            <a:off x="740158" y="3645857"/>
+            <a:ext cx="3999633" cy="523220"/>
+          </a:xfrm>
+          <a:prstGeom prst="rect">
+            <a:avLst/>
+          </a:prstGeom>
+        </p:spPr>
+        <p:txBody>
+          <a:bodyPr wrap="square">
+            <a:spAutoFit/>
+          </a:bodyPr>
+          <a:lstStyle/>
+          <a:p>
+            <a:r>
+              <a:rPr lang="en" sz="1400" dirty="0">
+                <a:solidFill>
+                  <a:srgbClr val="001DA4"/>
+                </a:solidFill>
+                <a:latin typeface="JetBrains Mono" pitchFamily="2" charset="0"/>
+              </a:rPr>
+              <a:t>private fun </a:t>
+            </a:r>
+            <a:r>
+              <a:rPr lang="en" sz="1400" dirty="0" err="1">
+                <a:solidFill>
+                  <a:srgbClr val="0A4F67"/>
+                </a:solidFill>
+                <a:latin typeface="JetBrains Mono" pitchFamily="2" charset="0"/>
+              </a:rPr>
+              <a:t>formIndexesQueries</a:t>
+            </a:r>
+            <a:r>
+              <a:rPr lang="en" sz="1400" dirty="0">
+                <a:solidFill>
+                  <a:srgbClr val="090909"/>
+                </a:solidFill>
+                <a:latin typeface="JetBrains Mono" pitchFamily="2" charset="0"/>
+              </a:rPr>
+              <a:t>(): </a:t>
+            </a:r>
+          </a:p>
+          <a:p>
+            <a:r>
+              <a:rPr lang="en" sz="1400" dirty="0">
+                <a:solidFill>
+                  <a:srgbClr val="090909"/>
+                </a:solidFill>
+                <a:latin typeface="JetBrains Mono" pitchFamily="2" charset="0"/>
+              </a:rPr>
+              <a:t>	</a:t>
+            </a:r>
+            <a:r>
+              <a:rPr lang="en" sz="1400" dirty="0">
+                <a:solidFill>
+                  <a:srgbClr val="000000"/>
+                </a:solidFill>
+                <a:latin typeface="JetBrains Mono" pitchFamily="2" charset="0"/>
+              </a:rPr>
+              <a:t>List</a:t>
+            </a:r>
+            <a:r>
+              <a:rPr lang="en" sz="1400" dirty="0">
+                <a:solidFill>
+                  <a:srgbClr val="090909"/>
+                </a:solidFill>
+                <a:latin typeface="JetBrains Mono" pitchFamily="2" charset="0"/>
+              </a:rPr>
+              <a:t>&lt;</a:t>
+            </a:r>
+            <a:r>
+              <a:rPr lang="en" sz="1400" dirty="0" err="1">
+                <a:solidFill>
+                  <a:srgbClr val="000000"/>
+                </a:solidFill>
+                <a:latin typeface="JetBrains Mono" pitchFamily="2" charset="0"/>
+              </a:rPr>
+              <a:t>IndexQueryStatement</a:t>
+            </a:r>
+            <a:r>
+              <a:rPr lang="en" sz="1400" dirty="0">
+                <a:solidFill>
+                  <a:srgbClr val="090909"/>
+                </a:solidFill>
+                <a:latin typeface="JetBrains Mono" pitchFamily="2" charset="0"/>
+              </a:rPr>
+              <a:t>&gt;</a:t>
+            </a:r>
+          </a:p>
+        </p:txBody>
+      </p:sp>
     </p:spTree>
     <p:extLst>
       <p:ext uri="{BB962C8B-B14F-4D97-AF65-F5344CB8AC3E}">
@@ -15825,14 +17321,20 @@
           <a:lstStyle/>
           <a:p>
             <a:r>
-              <a:rPr lang="ru-RU" dirty="0">
+              <a:rPr lang="en-US" dirty="0">
                 <a:solidFill>
                   <a:srgbClr val="2151A4"/>
                 </a:solidFill>
                 <a:latin typeface="Muller Light" pitchFamily="2" charset="0"/>
               </a:rPr>
-              <a:t>11</a:t>
-            </a:r>
+              <a:t>9</a:t>
+            </a:r>
+            <a:endParaRPr lang="ru-RU" dirty="0">
+              <a:solidFill>
+                <a:srgbClr val="2151A4"/>
+              </a:solidFill>
+              <a:latin typeface="Muller Light" pitchFamily="2" charset="0"/>
+            </a:endParaRPr>
           </a:p>
         </p:txBody>
       </p:sp>
